--- a/ppt/Zwischenpraesentation_final.pptx
+++ b/ppt/Zwischenpraesentation_final.pptx
@@ -49,11 +49,6 @@
     <p:sldId id="875" r:id="rId43"/>
     <p:sldId id="876" r:id="rId44"/>
     <p:sldId id="852" r:id="rId45"/>
-    <p:sldId id="882" r:id="rId46"/>
-    <p:sldId id="878" r:id="rId47"/>
-    <p:sldId id="261" r:id="rId48"/>
-    <p:sldId id="857" r:id="rId49"/>
-    <p:sldId id="872" r:id="rId50"/>
   </p:sldIdLst>
   <p:sldSz cx="12192000" cy="6858000"/>
   <p:notesSz cx="7559675" cy="10691813"/>
@@ -12391,7 +12386,7 @@
                 </a:solidFill>
                 <a:latin typeface="LMU CompatilFact"/>
               </a:rPr>
-              <a:t>Konzept der Methodik</a:t>
+              <a:t>Methodik</a:t>
             </a:r>
             <a:endParaRPr lang="en-US" sz="2800" b="0" strike="noStrike" spc="-1" dirty="0">
               <a:latin typeface="Arial"/>
@@ -22680,7 +22675,7 @@
                 <a:latin typeface="LMU CompatilFact"/>
                 <a:ea typeface="DejaVu Sans"/>
               </a:rPr>
-              <a:t>Methodik - Konzept</a:t>
+              <a:t>Methodik</a:t>
             </a:r>
             <a:endParaRPr lang="en-US" sz="4800" b="0" strike="noStrike" spc="-1" dirty="0">
               <a:latin typeface="Arial"/>
@@ -23678,7 +23673,7 @@
           <p:nvPr>
             <p:extLst>
               <p:ext uri="{D42A27DB-BD31-4B8C-83A1-F6EECF244321}">
-                <p14:modId xmlns:p14="http://schemas.microsoft.com/office/powerpoint/2010/main" val="2432875034"/>
+                <p14:modId xmlns:p14="http://schemas.microsoft.com/office/powerpoint/2010/main" val="3142782066"/>
               </p:ext>
             </p:extLst>
           </p:nvPr>
@@ -24682,13 +24677,20 @@
                     <a:lstStyle/>
                     <a:p>
                       <a:pPr fontAlgn="t"/>
+                      <a:r>
+                        <a:rPr lang="de-DE" sz="2000" dirty="0">
+                          <a:effectLst/>
+                          <a:latin typeface="LMU CompatilFact"/>
+                        </a:rPr>
+                        <a:t>Abstände der Maxima und Minima</a:t>
+                      </a:r>
                       <a:br>
-                        <a:rPr lang="de-DE" sz="2000">
+                        <a:rPr lang="de-DE" sz="2000" dirty="0">
                           <a:effectLst/>
                           <a:latin typeface="LMU CompatilFact"/>
                         </a:rPr>
                       </a:br>
-                      <a:endParaRPr lang="de-DE" sz="2000">
+                      <a:endParaRPr lang="de-DE" sz="2000" dirty="0">
                         <a:effectLst/>
                         <a:latin typeface="LMU CompatilFact"/>
                       </a:endParaRPr>
@@ -24890,16 +24892,16 @@
                         </a:spcAft>
                       </a:pPr>
                       <a:r>
-                        <a:rPr lang="de-DE" sz="2000" b="0" i="0" u="none" strike="noStrike">
+                        <a:rPr lang="de-DE" sz="2000" b="0" i="0" u="none" strike="noStrike" dirty="0">
                           <a:solidFill>
                             <a:srgbClr val="000000"/>
                           </a:solidFill>
                           <a:effectLst/>
                           <a:latin typeface="LMU CompatilFact"/>
                         </a:rPr>
-                        <a:t>Geographischer abstand zwischen Maximalem und Minimalem Wert</a:t>
+                        <a:t>Geographischer Abstand zwischen Maximalem und Minimalem Wert</a:t>
                       </a:r>
-                      <a:endParaRPr lang="de-DE" sz="2000">
+                      <a:endParaRPr lang="de-DE" sz="2000" dirty="0">
                         <a:effectLst/>
                         <a:latin typeface="LMU CompatilFact"/>
                       </a:endParaRPr>
@@ -32155,3131 +32157,6 @@
 </p:sld>
 </file>
 
-<file path=ppt/slides/slide44.xml><?xml version="1.0" encoding="utf-8"?>
-<p:sld xmlns:a="http://schemas.openxmlformats.org/drawingml/2006/main" xmlns:r="http://schemas.openxmlformats.org/officeDocument/2006/relationships" xmlns:p="http://schemas.openxmlformats.org/presentationml/2006/main">
-  <p:cSld>
-    <p:spTree>
-      <p:nvGrpSpPr>
-        <p:cNvPr id="1" name=""/>
-        <p:cNvGrpSpPr/>
-        <p:nvPr/>
-      </p:nvGrpSpPr>
-      <p:grpSpPr>
-        <a:xfrm>
-          <a:off x="0" y="0"/>
-          <a:ext cx="0" cy="0"/>
-          <a:chOff x="0" y="0"/>
-          <a:chExt cx="0" cy="0"/>
-        </a:xfrm>
-      </p:grpSpPr>
-      <p:sp>
-        <p:nvSpPr>
-          <p:cNvPr id="208" name="CustomShape 1"/>
-          <p:cNvSpPr/>
-          <p:nvPr/>
-        </p:nvSpPr>
-        <p:spPr>
-          <a:xfrm>
-            <a:off x="10994040" y="6459480"/>
-            <a:ext cx="1053360" cy="291240"/>
-          </a:xfrm>
-          <a:prstGeom prst="rect">
-            <a:avLst/>
-          </a:prstGeom>
-          <a:noFill/>
-          <a:ln w="9360">
-            <a:noFill/>
-          </a:ln>
-        </p:spPr>
-        <p:style>
-          <a:lnRef idx="0">
-            <a:scrgbClr r="0" g="0" b="0"/>
-          </a:lnRef>
-          <a:fillRef idx="0">
-            <a:scrgbClr r="0" g="0" b="0"/>
-          </a:fillRef>
-          <a:effectRef idx="0">
-            <a:scrgbClr r="0" g="0" b="0"/>
-          </a:effectRef>
-          <a:fontRef idx="minor"/>
-        </p:style>
-        <p:txBody>
-          <a:bodyPr lIns="90000" tIns="45000" rIns="90000" bIns="45000">
-            <a:noAutofit/>
-          </a:bodyPr>
-          <a:lstStyle/>
-          <a:p>
-            <a:pPr algn="r">
-              <a:lnSpc>
-                <a:spcPct val="100000"/>
-              </a:lnSpc>
-            </a:pPr>
-            <a:fld id="{2BFEA7F1-5216-4B02-A4C0-C4A29E7F39B7}" type="slidenum">
-              <a:rPr lang="de-DE" sz="1400" b="0" strike="noStrike" spc="-1">
-                <a:solidFill>
-                  <a:srgbClr val="006C30"/>
-                </a:solidFill>
-                <a:latin typeface="LMU CompatilFact"/>
-              </a:rPr>
-              <a:t>44</a:t>
-            </a:fld>
-            <a:endParaRPr lang="en-US" sz="1400" b="0" strike="noStrike" spc="-1">
-              <a:latin typeface="Arial"/>
-            </a:endParaRPr>
-          </a:p>
-        </p:txBody>
-      </p:sp>
-      <p:sp>
-        <p:nvSpPr>
-          <p:cNvPr id="209" name="CustomShape 2"/>
-          <p:cNvSpPr/>
-          <p:nvPr/>
-        </p:nvSpPr>
-        <p:spPr>
-          <a:xfrm>
-            <a:off x="507960" y="6459480"/>
-            <a:ext cx="10309680" cy="291240"/>
-          </a:xfrm>
-          <a:prstGeom prst="rect">
-            <a:avLst/>
-          </a:prstGeom>
-          <a:solidFill>
-            <a:srgbClr val="C6C7BE"/>
-          </a:solidFill>
-          <a:ln w="9360">
-            <a:noFill/>
-          </a:ln>
-        </p:spPr>
-        <p:style>
-          <a:lnRef idx="0">
-            <a:scrgbClr r="0" g="0" b="0"/>
-          </a:lnRef>
-          <a:fillRef idx="0">
-            <a:scrgbClr r="0" g="0" b="0"/>
-          </a:fillRef>
-          <a:effectRef idx="0">
-            <a:scrgbClr r="0" g="0" b="0"/>
-          </a:effectRef>
-          <a:fontRef idx="minor"/>
-        </p:style>
-        <p:txBody>
-          <a:bodyPr lIns="90000" tIns="45000" rIns="90000" bIns="45000">
-            <a:noAutofit/>
-          </a:bodyPr>
-          <a:lstStyle/>
-          <a:p>
-            <a:pPr>
-              <a:lnSpc>
-                <a:spcPct val="100000"/>
-              </a:lnSpc>
-            </a:pPr>
-            <a:r>
-              <a:rPr lang="de-DE" sz="1400" b="0" strike="noStrike" spc="-1" dirty="0">
-                <a:solidFill>
-                  <a:srgbClr val="006C30"/>
-                </a:solidFill>
-                <a:latin typeface="LMU CompatilFact"/>
-              </a:rPr>
-              <a:t>Zwischenpräsentation am 21.12.2020</a:t>
-            </a:r>
-            <a:endParaRPr lang="en-US" sz="1400" b="0" strike="noStrike" spc="-1" dirty="0">
-              <a:latin typeface="Arial"/>
-            </a:endParaRPr>
-          </a:p>
-        </p:txBody>
-      </p:sp>
-      <p:sp>
-        <p:nvSpPr>
-          <p:cNvPr id="210" name="CustomShape 3"/>
-          <p:cNvSpPr/>
-          <p:nvPr/>
-        </p:nvSpPr>
-        <p:spPr>
-          <a:xfrm>
-            <a:off x="9300240" y="188640"/>
-            <a:ext cx="1799640" cy="791280"/>
-          </a:xfrm>
-          <a:prstGeom prst="rect">
-            <a:avLst/>
-          </a:prstGeom>
-          <a:solidFill>
-            <a:srgbClr val="C6C7BE"/>
-          </a:solidFill>
-          <a:ln w="12700">
-            <a:solidFill>
-              <a:srgbClr val="C6C7BE"/>
-            </a:solidFill>
-            <a:round/>
-          </a:ln>
-        </p:spPr>
-        <p:style>
-          <a:lnRef idx="0">
-            <a:scrgbClr r="0" g="0" b="0"/>
-          </a:lnRef>
-          <a:fillRef idx="0">
-            <a:scrgbClr r="0" g="0" b="0"/>
-          </a:fillRef>
-          <a:effectRef idx="0">
-            <a:scrgbClr r="0" g="0" b="0"/>
-          </a:effectRef>
-          <a:fontRef idx="minor"/>
-        </p:style>
-      </p:sp>
-      <p:sp>
-        <p:nvSpPr>
-          <p:cNvPr id="211" name="CustomShape 4"/>
-          <p:cNvSpPr/>
-          <p:nvPr/>
-        </p:nvSpPr>
-        <p:spPr>
-          <a:xfrm>
-            <a:off x="2147040" y="457200"/>
-            <a:ext cx="6768000" cy="456480"/>
-          </a:xfrm>
-          <a:prstGeom prst="rect">
-            <a:avLst/>
-          </a:prstGeom>
-          <a:noFill/>
-          <a:ln w="9360">
-            <a:noFill/>
-          </a:ln>
-        </p:spPr>
-        <p:style>
-          <a:lnRef idx="0">
-            <a:scrgbClr r="0" g="0" b="0"/>
-          </a:lnRef>
-          <a:fillRef idx="0">
-            <a:scrgbClr r="0" g="0" b="0"/>
-          </a:fillRef>
-          <a:effectRef idx="0">
-            <a:scrgbClr r="0" g="0" b="0"/>
-          </a:effectRef>
-          <a:fontRef idx="minor"/>
-        </p:style>
-        <p:txBody>
-          <a:bodyPr lIns="90000" tIns="45000" rIns="90000" bIns="45000" anchor="b">
-            <a:noAutofit/>
-          </a:bodyPr>
-          <a:lstStyle/>
-          <a:p>
-            <a:pPr>
-              <a:lnSpc>
-                <a:spcPct val="100000"/>
-              </a:lnSpc>
-            </a:pPr>
-            <a:r>
-              <a:rPr lang="de-DE" sz="2000" b="0" strike="noStrike" spc="-1">
-                <a:solidFill>
-                  <a:srgbClr val="006C30"/>
-                </a:solidFill>
-                <a:latin typeface="LMU CompatilFact"/>
-              </a:rPr>
-              <a:t>Katja Gutmair, Stella Akouete, Noah Hurmer und Anne Gritto</a:t>
-            </a:r>
-            <a:endParaRPr lang="en-US" sz="2000" b="0" strike="noStrike" spc="-1">
-              <a:latin typeface="Arial"/>
-            </a:endParaRPr>
-          </a:p>
-        </p:txBody>
-      </p:sp>
-      <p:sp>
-        <p:nvSpPr>
-          <p:cNvPr id="212" name="CustomShape 5"/>
-          <p:cNvSpPr/>
-          <p:nvPr/>
-        </p:nvSpPr>
-        <p:spPr>
-          <a:xfrm>
-            <a:off x="9372600" y="280800"/>
-            <a:ext cx="1872360" cy="699480"/>
-          </a:xfrm>
-          <a:prstGeom prst="rect">
-            <a:avLst/>
-          </a:prstGeom>
-          <a:noFill/>
-          <a:ln w="0">
-            <a:noFill/>
-          </a:ln>
-        </p:spPr>
-        <p:style>
-          <a:lnRef idx="0">
-            <a:scrgbClr r="0" g="0" b="0"/>
-          </a:lnRef>
-          <a:fillRef idx="0">
-            <a:scrgbClr r="0" g="0" b="0"/>
-          </a:fillRef>
-          <a:effectRef idx="0">
-            <a:scrgbClr r="0" g="0" b="0"/>
-          </a:effectRef>
-          <a:fontRef idx="minor"/>
-        </p:style>
-        <p:txBody>
-          <a:bodyPr wrap="none" lIns="90000" tIns="45000" rIns="90000" bIns="45000">
-            <a:spAutoFit/>
-          </a:bodyPr>
-          <a:lstStyle/>
-          <a:p>
-            <a:pPr>
-              <a:lnSpc>
-                <a:spcPct val="100000"/>
-              </a:lnSpc>
-            </a:pPr>
-            <a:r>
-              <a:rPr lang="de-DE" sz="2000" b="0" strike="noStrike" spc="-1">
-                <a:solidFill>
-                  <a:srgbClr val="006C30"/>
-                </a:solidFill>
-                <a:latin typeface="LMU CompatilFact"/>
-                <a:ea typeface="DejaVu Sans"/>
-              </a:rPr>
-              <a:t>Statistisches </a:t>
-            </a:r>
-            <a:endParaRPr lang="en-US" sz="2000" b="0" strike="noStrike" spc="-1">
-              <a:latin typeface="Arial"/>
-            </a:endParaRPr>
-          </a:p>
-          <a:p>
-            <a:pPr>
-              <a:lnSpc>
-                <a:spcPct val="100000"/>
-              </a:lnSpc>
-            </a:pPr>
-            <a:r>
-              <a:rPr lang="de-DE" sz="2000" b="0" strike="noStrike" spc="-1">
-                <a:solidFill>
-                  <a:srgbClr val="006C30"/>
-                </a:solidFill>
-                <a:latin typeface="LMU CompatilFact"/>
-                <a:ea typeface="DejaVu Sans"/>
-              </a:rPr>
-              <a:t>Praktikum</a:t>
-            </a:r>
-            <a:endParaRPr lang="en-US" sz="2000" b="0" strike="noStrike" spc="-1">
-              <a:latin typeface="Arial"/>
-            </a:endParaRPr>
-          </a:p>
-        </p:txBody>
-      </p:sp>
-      <p:sp>
-        <p:nvSpPr>
-          <p:cNvPr id="213" name="CustomShape 6"/>
-          <p:cNvSpPr/>
-          <p:nvPr/>
-        </p:nvSpPr>
-        <p:spPr>
-          <a:xfrm>
-            <a:off x="159120" y="2169000"/>
-            <a:ext cx="11554200" cy="3815640"/>
-          </a:xfrm>
-          <a:prstGeom prst="rect">
-            <a:avLst/>
-          </a:prstGeom>
-          <a:noFill/>
-          <a:ln w="9360">
-            <a:noFill/>
-          </a:ln>
-        </p:spPr>
-        <p:style>
-          <a:lnRef idx="0">
-            <a:scrgbClr r="0" g="0" b="0"/>
-          </a:lnRef>
-          <a:fillRef idx="0">
-            <a:scrgbClr r="0" g="0" b="0"/>
-          </a:fillRef>
-          <a:effectRef idx="0">
-            <a:scrgbClr r="0" g="0" b="0"/>
-          </a:effectRef>
-          <a:fontRef idx="minor"/>
-        </p:style>
-        <p:txBody>
-          <a:bodyPr lIns="90000" tIns="45000" rIns="90000" bIns="45000">
-            <a:noAutofit/>
-          </a:bodyPr>
-          <a:lstStyle/>
-          <a:p>
-            <a:pPr marL="720">
-              <a:lnSpc>
-                <a:spcPct val="100000"/>
-              </a:lnSpc>
-              <a:spcAft>
-                <a:spcPts val="601"/>
-              </a:spcAft>
-              <a:buClr>
-                <a:srgbClr val="000000"/>
-              </a:buClr>
-            </a:pPr>
-            <a:endParaRPr lang="en-US" sz="2800" b="0" strike="noStrike" spc="-1" dirty="0">
-              <a:latin typeface="Arial"/>
-            </a:endParaRPr>
-          </a:p>
-        </p:txBody>
-      </p:sp>
-      <p:sp>
-        <p:nvSpPr>
-          <p:cNvPr id="214" name="CustomShape 7"/>
-          <p:cNvSpPr/>
-          <p:nvPr/>
-        </p:nvSpPr>
-        <p:spPr>
-          <a:xfrm>
-            <a:off x="326700" y="2693323"/>
-            <a:ext cx="11554200" cy="757440"/>
-          </a:xfrm>
-          <a:prstGeom prst="rect">
-            <a:avLst/>
-          </a:prstGeom>
-          <a:noFill/>
-          <a:ln w="0">
-            <a:noFill/>
-          </a:ln>
-        </p:spPr>
-        <p:style>
-          <a:lnRef idx="0">
-            <a:scrgbClr r="0" g="0" b="0"/>
-          </a:lnRef>
-          <a:fillRef idx="0">
-            <a:scrgbClr r="0" g="0" b="0"/>
-          </a:fillRef>
-          <a:effectRef idx="0">
-            <a:scrgbClr r="0" g="0" b="0"/>
-          </a:effectRef>
-          <a:fontRef idx="minor"/>
-        </p:style>
-        <p:txBody>
-          <a:bodyPr lIns="90000" tIns="45000" rIns="90000" bIns="45000">
-            <a:noAutofit/>
-          </a:bodyPr>
-          <a:lstStyle/>
-          <a:p>
-            <a:pPr algn="ctr">
-              <a:lnSpc>
-                <a:spcPct val="100000"/>
-              </a:lnSpc>
-              <a:spcAft>
-                <a:spcPts val="601"/>
-              </a:spcAft>
-              <a:tabLst>
-                <a:tab pos="0" algn="l"/>
-              </a:tabLst>
-            </a:pPr>
-            <a:r>
-              <a:rPr lang="de-DE" sz="4800" b="1" strike="noStrike" spc="-1" dirty="0">
-                <a:solidFill>
-                  <a:srgbClr val="000000"/>
-                </a:solidFill>
-                <a:latin typeface="LMU CompatilFact"/>
-                <a:ea typeface="DejaVu Sans"/>
-              </a:rPr>
-              <a:t>Anhang</a:t>
-            </a:r>
-            <a:endParaRPr lang="en-US" sz="4800" b="0" strike="noStrike" spc="-1" dirty="0">
-              <a:latin typeface="Arial"/>
-            </a:endParaRPr>
-          </a:p>
-        </p:txBody>
-      </p:sp>
-      <p:sp>
-        <p:nvSpPr>
-          <p:cNvPr id="3" name="Rectangle 1">
-            <a:extLst>
-              <a:ext uri="{FF2B5EF4-FFF2-40B4-BE49-F238E27FC236}">
-                <a16:creationId xmlns:a16="http://schemas.microsoft.com/office/drawing/2014/main" id="{8E77B90C-F82C-44E6-A46E-400DE5629F4B}"/>
-              </a:ext>
-            </a:extLst>
-          </p:cNvPr>
-          <p:cNvSpPr>
-            <a:spLocks noChangeArrowheads="1"/>
-          </p:cNvSpPr>
-          <p:nvPr/>
-        </p:nvSpPr>
-        <p:spPr bwMode="auto">
-          <a:xfrm>
-            <a:off x="4559300" y="1050965"/>
-            <a:ext cx="184731" cy="1107996"/>
-          </a:xfrm>
-          <a:prstGeom prst="rect">
-            <a:avLst/>
-          </a:prstGeom>
-          <a:noFill/>
-          <a:ln>
-            <a:noFill/>
-          </a:ln>
-          <a:effectLst/>
-          <a:extLst>
-            <a:ext uri="{909E8E84-426E-40DD-AFC4-6F175D3DCCD1}">
-              <a14:hiddenFill xmlns:a14="http://schemas.microsoft.com/office/drawing/2010/main">
-                <a:solidFill>
-                  <a:schemeClr val="accent1"/>
-                </a:solidFill>
-              </a14:hiddenFill>
-            </a:ext>
-            <a:ext uri="{91240B29-F687-4F45-9708-019B960494DF}">
-              <a14:hiddenLine xmlns:a14="http://schemas.microsoft.com/office/drawing/2010/main" w="9525">
-                <a:solidFill>
-                  <a:schemeClr val="tx1"/>
-                </a:solidFill>
-                <a:miter lim="800000"/>
-                <a:headEnd/>
-                <a:tailEnd/>
-              </a14:hiddenLine>
-            </a:ext>
-            <a:ext uri="{AF507438-7753-43E0-B8FC-AC1667EBCBE1}">
-              <a14:hiddenEffects xmlns:a14="http://schemas.microsoft.com/office/drawing/2010/main">
-                <a:effectLst>
-                  <a:outerShdw dist="35921" dir="2700000" algn="ctr" rotWithShape="0">
-                    <a:schemeClr val="bg2"/>
-                  </a:outerShdw>
-                </a:effectLst>
-              </a14:hiddenEffects>
-            </a:ext>
-          </a:extLst>
-        </p:spPr>
-        <p:txBody>
-          <a:bodyPr vert="horz" wrap="none" lIns="91440" tIns="0" rIns="91440" bIns="0" numCol="1" anchor="ctr" anchorCtr="0" compatLnSpc="1">
-            <a:prstTxWarp prst="textNoShape">
-              <a:avLst/>
-            </a:prstTxWarp>
-            <a:spAutoFit/>
-          </a:bodyPr>
-          <a:lstStyle>
-            <a:lvl1pPr eaLnBrk="0" fontAlgn="base" hangingPunct="0">
-              <a:spcBef>
-                <a:spcPct val="0"/>
-              </a:spcBef>
-              <a:spcAft>
-                <a:spcPct val="0"/>
-              </a:spcAft>
-              <a:defRPr>
-                <a:solidFill>
-                  <a:schemeClr val="tx1"/>
-                </a:solidFill>
-                <a:latin typeface="Arial" panose="020B0604020202020204" pitchFamily="34" charset="0"/>
-              </a:defRPr>
-            </a:lvl1pPr>
-            <a:lvl2pPr eaLnBrk="0" fontAlgn="base" hangingPunct="0">
-              <a:spcBef>
-                <a:spcPct val="0"/>
-              </a:spcBef>
-              <a:spcAft>
-                <a:spcPct val="0"/>
-              </a:spcAft>
-              <a:defRPr>
-                <a:solidFill>
-                  <a:schemeClr val="tx1"/>
-                </a:solidFill>
-                <a:latin typeface="Arial" panose="020B0604020202020204" pitchFamily="34" charset="0"/>
-              </a:defRPr>
-            </a:lvl2pPr>
-            <a:lvl3pPr eaLnBrk="0" fontAlgn="base" hangingPunct="0">
-              <a:spcBef>
-                <a:spcPct val="0"/>
-              </a:spcBef>
-              <a:spcAft>
-                <a:spcPct val="0"/>
-              </a:spcAft>
-              <a:defRPr>
-                <a:solidFill>
-                  <a:schemeClr val="tx1"/>
-                </a:solidFill>
-                <a:latin typeface="Arial" panose="020B0604020202020204" pitchFamily="34" charset="0"/>
-              </a:defRPr>
-            </a:lvl3pPr>
-            <a:lvl4pPr eaLnBrk="0" fontAlgn="base" hangingPunct="0">
-              <a:spcBef>
-                <a:spcPct val="0"/>
-              </a:spcBef>
-              <a:spcAft>
-                <a:spcPct val="0"/>
-              </a:spcAft>
-              <a:defRPr>
-                <a:solidFill>
-                  <a:schemeClr val="tx1"/>
-                </a:solidFill>
-                <a:latin typeface="Arial" panose="020B0604020202020204" pitchFamily="34" charset="0"/>
-              </a:defRPr>
-            </a:lvl4pPr>
-            <a:lvl5pPr eaLnBrk="0" fontAlgn="base" hangingPunct="0">
-              <a:spcBef>
-                <a:spcPct val="0"/>
-              </a:spcBef>
-              <a:spcAft>
-                <a:spcPct val="0"/>
-              </a:spcAft>
-              <a:defRPr>
-                <a:solidFill>
-                  <a:schemeClr val="tx1"/>
-                </a:solidFill>
-                <a:latin typeface="Arial" panose="020B0604020202020204" pitchFamily="34" charset="0"/>
-              </a:defRPr>
-            </a:lvl5pPr>
-            <a:lvl6pPr eaLnBrk="0" fontAlgn="base" hangingPunct="0">
-              <a:spcBef>
-                <a:spcPct val="0"/>
-              </a:spcBef>
-              <a:spcAft>
-                <a:spcPct val="0"/>
-              </a:spcAft>
-              <a:defRPr>
-                <a:solidFill>
-                  <a:schemeClr val="tx1"/>
-                </a:solidFill>
-                <a:latin typeface="Arial" panose="020B0604020202020204" pitchFamily="34" charset="0"/>
-              </a:defRPr>
-            </a:lvl6pPr>
-            <a:lvl7pPr eaLnBrk="0" fontAlgn="base" hangingPunct="0">
-              <a:spcBef>
-                <a:spcPct val="0"/>
-              </a:spcBef>
-              <a:spcAft>
-                <a:spcPct val="0"/>
-              </a:spcAft>
-              <a:defRPr>
-                <a:solidFill>
-                  <a:schemeClr val="tx1"/>
-                </a:solidFill>
-                <a:latin typeface="Arial" panose="020B0604020202020204" pitchFamily="34" charset="0"/>
-              </a:defRPr>
-            </a:lvl7pPr>
-            <a:lvl8pPr eaLnBrk="0" fontAlgn="base" hangingPunct="0">
-              <a:spcBef>
-                <a:spcPct val="0"/>
-              </a:spcBef>
-              <a:spcAft>
-                <a:spcPct val="0"/>
-              </a:spcAft>
-              <a:defRPr>
-                <a:solidFill>
-                  <a:schemeClr val="tx1"/>
-                </a:solidFill>
-                <a:latin typeface="Arial" panose="020B0604020202020204" pitchFamily="34" charset="0"/>
-              </a:defRPr>
-            </a:lvl8pPr>
-            <a:lvl9pPr eaLnBrk="0" fontAlgn="base" hangingPunct="0">
-              <a:spcBef>
-                <a:spcPct val="0"/>
-              </a:spcBef>
-              <a:spcAft>
-                <a:spcPct val="0"/>
-              </a:spcAft>
-              <a:defRPr>
-                <a:solidFill>
-                  <a:schemeClr val="tx1"/>
-                </a:solidFill>
-                <a:latin typeface="Arial" panose="020B0604020202020204" pitchFamily="34" charset="0"/>
-              </a:defRPr>
-            </a:lvl9pPr>
-          </a:lstStyle>
-          <a:p>
-            <a:pPr marL="0" marR="0" lvl="0" indent="0" algn="l" defTabSz="914400" rtl="0" eaLnBrk="0" fontAlgn="base" latinLnBrk="0" hangingPunct="0">
-              <a:lnSpc>
-                <a:spcPct val="100000"/>
-              </a:lnSpc>
-              <a:spcBef>
-                <a:spcPct val="0"/>
-              </a:spcBef>
-              <a:spcAft>
-                <a:spcPct val="0"/>
-              </a:spcAft>
-              <a:buClrTx/>
-              <a:buSzTx/>
-              <a:buFontTx/>
-              <a:buNone/>
-              <a:tabLst/>
-            </a:pPr>
-            <a:br>
-              <a:rPr kumimoji="0" lang="de-DE" altLang="de-DE" sz="1800" b="0" i="0" u="none" strike="noStrike" cap="none" normalizeH="0" baseline="0" dirty="0">
-                <a:ln>
-                  <a:noFill/>
-                </a:ln>
-                <a:solidFill>
-                  <a:schemeClr val="tx1"/>
-                </a:solidFill>
-                <a:effectLst/>
-                <a:latin typeface="Arial" panose="020B0604020202020204" pitchFamily="34" charset="0"/>
-              </a:rPr>
-            </a:br>
-            <a:endParaRPr kumimoji="0" lang="de-DE" altLang="de-DE" sz="1800" b="0" i="0" u="none" strike="noStrike" cap="none" normalizeH="0" baseline="0" dirty="0">
-              <a:ln>
-                <a:noFill/>
-              </a:ln>
-              <a:solidFill>
-                <a:schemeClr val="tx1"/>
-              </a:solidFill>
-              <a:effectLst/>
-              <a:latin typeface="Arial" panose="020B0604020202020204" pitchFamily="34" charset="0"/>
-            </a:endParaRPr>
-          </a:p>
-          <a:p>
-            <a:pPr marL="0" marR="0" lvl="0" indent="0" algn="l" defTabSz="914400" rtl="0" eaLnBrk="0" fontAlgn="base" latinLnBrk="0" hangingPunct="0">
-              <a:lnSpc>
-                <a:spcPct val="100000"/>
-              </a:lnSpc>
-              <a:spcBef>
-                <a:spcPct val="0"/>
-              </a:spcBef>
-              <a:spcAft>
-                <a:spcPct val="0"/>
-              </a:spcAft>
-              <a:buClrTx/>
-              <a:buSzTx/>
-              <a:tabLst/>
-            </a:pPr>
-            <a:br>
-              <a:rPr kumimoji="0" lang="de-DE" altLang="de-DE" sz="1800" b="0" i="0" u="none" strike="noStrike" cap="none" normalizeH="0" baseline="0" dirty="0">
-                <a:ln>
-                  <a:noFill/>
-                </a:ln>
-                <a:solidFill>
-                  <a:schemeClr val="tx1"/>
-                </a:solidFill>
-                <a:effectLst/>
-                <a:latin typeface="Arial" panose="020B0604020202020204" pitchFamily="34" charset="0"/>
-              </a:rPr>
-            </a:br>
-            <a:endParaRPr kumimoji="0" lang="de-DE" altLang="de-DE" sz="1800" b="0" i="0" u="none" strike="noStrike" cap="none" normalizeH="0" baseline="0" dirty="0">
-              <a:ln>
-                <a:noFill/>
-              </a:ln>
-              <a:solidFill>
-                <a:schemeClr val="tx1"/>
-              </a:solidFill>
-              <a:effectLst/>
-              <a:latin typeface="Arial" panose="020B0604020202020204" pitchFamily="34" charset="0"/>
-            </a:endParaRPr>
-          </a:p>
-        </p:txBody>
-      </p:sp>
-      <p:sp>
-        <p:nvSpPr>
-          <p:cNvPr id="9" name="Rectangle 4">
-            <a:extLst>
-              <a:ext uri="{FF2B5EF4-FFF2-40B4-BE49-F238E27FC236}">
-                <a16:creationId xmlns:a16="http://schemas.microsoft.com/office/drawing/2014/main" id="{FEE30E9B-AA22-4FFF-AD9A-BF0D79C16DA8}"/>
-              </a:ext>
-            </a:extLst>
-          </p:cNvPr>
-          <p:cNvSpPr>
-            <a:spLocks noChangeArrowheads="1"/>
-          </p:cNvSpPr>
-          <p:nvPr/>
-        </p:nvSpPr>
-        <p:spPr bwMode="auto">
-          <a:xfrm>
-            <a:off x="6103800" y="2105347"/>
-            <a:ext cx="184731" cy="1107996"/>
-          </a:xfrm>
-          <a:prstGeom prst="rect">
-            <a:avLst/>
-          </a:prstGeom>
-          <a:noFill/>
-          <a:ln>
-            <a:noFill/>
-          </a:ln>
-          <a:effectLst/>
-          <a:extLst>
-            <a:ext uri="{909E8E84-426E-40DD-AFC4-6F175D3DCCD1}">
-              <a14:hiddenFill xmlns:a14="http://schemas.microsoft.com/office/drawing/2010/main">
-                <a:solidFill>
-                  <a:schemeClr val="accent1"/>
-                </a:solidFill>
-              </a14:hiddenFill>
-            </a:ext>
-            <a:ext uri="{91240B29-F687-4F45-9708-019B960494DF}">
-              <a14:hiddenLine xmlns:a14="http://schemas.microsoft.com/office/drawing/2010/main" w="9525">
-                <a:solidFill>
-                  <a:schemeClr val="tx1"/>
-                </a:solidFill>
-                <a:miter lim="800000"/>
-                <a:headEnd/>
-                <a:tailEnd/>
-              </a14:hiddenLine>
-            </a:ext>
-            <a:ext uri="{AF507438-7753-43E0-B8FC-AC1667EBCBE1}">
-              <a14:hiddenEffects xmlns:a14="http://schemas.microsoft.com/office/drawing/2010/main">
-                <a:effectLst>
-                  <a:outerShdw dist="35921" dir="2700000" algn="ctr" rotWithShape="0">
-                    <a:schemeClr val="bg2"/>
-                  </a:outerShdw>
-                </a:effectLst>
-              </a14:hiddenEffects>
-            </a:ext>
-          </a:extLst>
-        </p:spPr>
-        <p:txBody>
-          <a:bodyPr vert="horz" wrap="none" lIns="91440" tIns="0" rIns="91440" bIns="0" numCol="1" anchor="ctr" anchorCtr="0" compatLnSpc="1">
-            <a:prstTxWarp prst="textNoShape">
-              <a:avLst/>
-            </a:prstTxWarp>
-            <a:spAutoFit/>
-          </a:bodyPr>
-          <a:lstStyle>
-            <a:lvl1pPr eaLnBrk="0" fontAlgn="base" hangingPunct="0">
-              <a:spcBef>
-                <a:spcPct val="0"/>
-              </a:spcBef>
-              <a:spcAft>
-                <a:spcPct val="0"/>
-              </a:spcAft>
-              <a:defRPr>
-                <a:solidFill>
-                  <a:schemeClr val="tx1"/>
-                </a:solidFill>
-                <a:latin typeface="Arial" panose="020B0604020202020204" pitchFamily="34" charset="0"/>
-              </a:defRPr>
-            </a:lvl1pPr>
-            <a:lvl2pPr eaLnBrk="0" fontAlgn="base" hangingPunct="0">
-              <a:spcBef>
-                <a:spcPct val="0"/>
-              </a:spcBef>
-              <a:spcAft>
-                <a:spcPct val="0"/>
-              </a:spcAft>
-              <a:defRPr>
-                <a:solidFill>
-                  <a:schemeClr val="tx1"/>
-                </a:solidFill>
-                <a:latin typeface="Arial" panose="020B0604020202020204" pitchFamily="34" charset="0"/>
-              </a:defRPr>
-            </a:lvl2pPr>
-            <a:lvl3pPr eaLnBrk="0" fontAlgn="base" hangingPunct="0">
-              <a:spcBef>
-                <a:spcPct val="0"/>
-              </a:spcBef>
-              <a:spcAft>
-                <a:spcPct val="0"/>
-              </a:spcAft>
-              <a:defRPr>
-                <a:solidFill>
-                  <a:schemeClr val="tx1"/>
-                </a:solidFill>
-                <a:latin typeface="Arial" panose="020B0604020202020204" pitchFamily="34" charset="0"/>
-              </a:defRPr>
-            </a:lvl3pPr>
-            <a:lvl4pPr eaLnBrk="0" fontAlgn="base" hangingPunct="0">
-              <a:spcBef>
-                <a:spcPct val="0"/>
-              </a:spcBef>
-              <a:spcAft>
-                <a:spcPct val="0"/>
-              </a:spcAft>
-              <a:defRPr>
-                <a:solidFill>
-                  <a:schemeClr val="tx1"/>
-                </a:solidFill>
-                <a:latin typeface="Arial" panose="020B0604020202020204" pitchFamily="34" charset="0"/>
-              </a:defRPr>
-            </a:lvl4pPr>
-            <a:lvl5pPr eaLnBrk="0" fontAlgn="base" hangingPunct="0">
-              <a:spcBef>
-                <a:spcPct val="0"/>
-              </a:spcBef>
-              <a:spcAft>
-                <a:spcPct val="0"/>
-              </a:spcAft>
-              <a:defRPr>
-                <a:solidFill>
-                  <a:schemeClr val="tx1"/>
-                </a:solidFill>
-                <a:latin typeface="Arial" panose="020B0604020202020204" pitchFamily="34" charset="0"/>
-              </a:defRPr>
-            </a:lvl5pPr>
-            <a:lvl6pPr eaLnBrk="0" fontAlgn="base" hangingPunct="0">
-              <a:spcBef>
-                <a:spcPct val="0"/>
-              </a:spcBef>
-              <a:spcAft>
-                <a:spcPct val="0"/>
-              </a:spcAft>
-              <a:defRPr>
-                <a:solidFill>
-                  <a:schemeClr val="tx1"/>
-                </a:solidFill>
-                <a:latin typeface="Arial" panose="020B0604020202020204" pitchFamily="34" charset="0"/>
-              </a:defRPr>
-            </a:lvl6pPr>
-            <a:lvl7pPr eaLnBrk="0" fontAlgn="base" hangingPunct="0">
-              <a:spcBef>
-                <a:spcPct val="0"/>
-              </a:spcBef>
-              <a:spcAft>
-                <a:spcPct val="0"/>
-              </a:spcAft>
-              <a:defRPr>
-                <a:solidFill>
-                  <a:schemeClr val="tx1"/>
-                </a:solidFill>
-                <a:latin typeface="Arial" panose="020B0604020202020204" pitchFamily="34" charset="0"/>
-              </a:defRPr>
-            </a:lvl7pPr>
-            <a:lvl8pPr eaLnBrk="0" fontAlgn="base" hangingPunct="0">
-              <a:spcBef>
-                <a:spcPct val="0"/>
-              </a:spcBef>
-              <a:spcAft>
-                <a:spcPct val="0"/>
-              </a:spcAft>
-              <a:defRPr>
-                <a:solidFill>
-                  <a:schemeClr val="tx1"/>
-                </a:solidFill>
-                <a:latin typeface="Arial" panose="020B0604020202020204" pitchFamily="34" charset="0"/>
-              </a:defRPr>
-            </a:lvl8pPr>
-            <a:lvl9pPr eaLnBrk="0" fontAlgn="base" hangingPunct="0">
-              <a:spcBef>
-                <a:spcPct val="0"/>
-              </a:spcBef>
-              <a:spcAft>
-                <a:spcPct val="0"/>
-              </a:spcAft>
-              <a:defRPr>
-                <a:solidFill>
-                  <a:schemeClr val="tx1"/>
-                </a:solidFill>
-                <a:latin typeface="Arial" panose="020B0604020202020204" pitchFamily="34" charset="0"/>
-              </a:defRPr>
-            </a:lvl9pPr>
-          </a:lstStyle>
-          <a:p>
-            <a:pPr marL="0" marR="0" lvl="0" indent="0" algn="l" defTabSz="914400" rtl="0" eaLnBrk="0" fontAlgn="base" latinLnBrk="0" hangingPunct="0">
-              <a:lnSpc>
-                <a:spcPct val="100000"/>
-              </a:lnSpc>
-              <a:spcBef>
-                <a:spcPct val="0"/>
-              </a:spcBef>
-              <a:spcAft>
-                <a:spcPct val="0"/>
-              </a:spcAft>
-              <a:buClrTx/>
-              <a:buSzTx/>
-              <a:buFontTx/>
-              <a:buNone/>
-              <a:tabLst/>
-            </a:pPr>
-            <a:br>
-              <a:rPr kumimoji="0" lang="de-DE" altLang="de-DE" sz="1800" b="0" i="0" u="none" strike="noStrike" cap="none" normalizeH="0" baseline="0" dirty="0">
-                <a:ln>
-                  <a:noFill/>
-                </a:ln>
-                <a:solidFill>
-                  <a:schemeClr val="tx1"/>
-                </a:solidFill>
-                <a:effectLst/>
-                <a:latin typeface="Arial" panose="020B0604020202020204" pitchFamily="34" charset="0"/>
-              </a:rPr>
-            </a:br>
-            <a:endParaRPr kumimoji="0" lang="de-DE" altLang="de-DE" sz="1800" b="0" i="0" u="none" strike="noStrike" cap="none" normalizeH="0" baseline="0" dirty="0">
-              <a:ln>
-                <a:noFill/>
-              </a:ln>
-              <a:solidFill>
-                <a:schemeClr val="tx1"/>
-              </a:solidFill>
-              <a:effectLst/>
-              <a:latin typeface="Arial" panose="020B0604020202020204" pitchFamily="34" charset="0"/>
-            </a:endParaRPr>
-          </a:p>
-          <a:p>
-            <a:pPr marL="0" marR="0" lvl="0" indent="0" algn="l" defTabSz="914400" rtl="0" eaLnBrk="0" fontAlgn="base" latinLnBrk="0" hangingPunct="0">
-              <a:lnSpc>
-                <a:spcPct val="100000"/>
-              </a:lnSpc>
-              <a:spcBef>
-                <a:spcPct val="0"/>
-              </a:spcBef>
-              <a:spcAft>
-                <a:spcPct val="0"/>
-              </a:spcAft>
-              <a:buClrTx/>
-              <a:buSzTx/>
-              <a:tabLst/>
-            </a:pPr>
-            <a:br>
-              <a:rPr kumimoji="0" lang="de-DE" altLang="de-DE" sz="1800" b="0" i="0" u="none" strike="noStrike" cap="none" normalizeH="0" baseline="0" dirty="0">
-                <a:ln>
-                  <a:noFill/>
-                </a:ln>
-                <a:solidFill>
-                  <a:schemeClr val="tx1"/>
-                </a:solidFill>
-                <a:effectLst/>
-                <a:latin typeface="Arial" panose="020B0604020202020204" pitchFamily="34" charset="0"/>
-              </a:rPr>
-            </a:br>
-            <a:endParaRPr kumimoji="0" lang="de-DE" altLang="de-DE" sz="1800" b="0" i="0" u="none" strike="noStrike" cap="none" normalizeH="0" baseline="0" dirty="0">
-              <a:ln>
-                <a:noFill/>
-              </a:ln>
-              <a:solidFill>
-                <a:schemeClr val="tx1"/>
-              </a:solidFill>
-              <a:effectLst/>
-              <a:latin typeface="Arial" panose="020B0604020202020204" pitchFamily="34" charset="0"/>
-            </a:endParaRPr>
-          </a:p>
-        </p:txBody>
-      </p:sp>
-      <p:sp>
-        <p:nvSpPr>
-          <p:cNvPr id="13" name="Rectangle 5">
-            <a:extLst>
-              <a:ext uri="{FF2B5EF4-FFF2-40B4-BE49-F238E27FC236}">
-                <a16:creationId xmlns:a16="http://schemas.microsoft.com/office/drawing/2014/main" id="{5F34A1D1-E9C3-4539-9D84-A2A1D59674F2}"/>
-              </a:ext>
-            </a:extLst>
-          </p:cNvPr>
-          <p:cNvSpPr>
-            <a:spLocks noChangeArrowheads="1"/>
-          </p:cNvSpPr>
-          <p:nvPr/>
-        </p:nvSpPr>
-        <p:spPr bwMode="auto">
-          <a:xfrm>
-            <a:off x="1183304" y="2379429"/>
-            <a:ext cx="184731" cy="553998"/>
-          </a:xfrm>
-          <a:prstGeom prst="rect">
-            <a:avLst/>
-          </a:prstGeom>
-          <a:noFill/>
-          <a:ln>
-            <a:noFill/>
-          </a:ln>
-          <a:effectLst/>
-          <a:extLst>
-            <a:ext uri="{909E8E84-426E-40DD-AFC4-6F175D3DCCD1}">
-              <a14:hiddenFill xmlns:a14="http://schemas.microsoft.com/office/drawing/2010/main">
-                <a:solidFill>
-                  <a:schemeClr val="accent1"/>
-                </a:solidFill>
-              </a14:hiddenFill>
-            </a:ext>
-            <a:ext uri="{91240B29-F687-4F45-9708-019B960494DF}">
-              <a14:hiddenLine xmlns:a14="http://schemas.microsoft.com/office/drawing/2010/main" w="9525">
-                <a:solidFill>
-                  <a:schemeClr val="tx1"/>
-                </a:solidFill>
-                <a:miter lim="800000"/>
-                <a:headEnd/>
-                <a:tailEnd/>
-              </a14:hiddenLine>
-            </a:ext>
-            <a:ext uri="{AF507438-7753-43E0-B8FC-AC1667EBCBE1}">
-              <a14:hiddenEffects xmlns:a14="http://schemas.microsoft.com/office/drawing/2010/main">
-                <a:effectLst>
-                  <a:outerShdw dist="35921" dir="2700000" algn="ctr" rotWithShape="0">
-                    <a:schemeClr val="bg2"/>
-                  </a:outerShdw>
-                </a:effectLst>
-              </a14:hiddenEffects>
-            </a:ext>
-          </a:extLst>
-        </p:spPr>
-        <p:txBody>
-          <a:bodyPr vert="horz" wrap="none" lIns="91440" tIns="0" rIns="91440" bIns="0" numCol="1" anchor="ctr" anchorCtr="0" compatLnSpc="1">
-            <a:prstTxWarp prst="textNoShape">
-              <a:avLst/>
-            </a:prstTxWarp>
-            <a:spAutoFit/>
-          </a:bodyPr>
-          <a:lstStyle>
-            <a:lvl1pPr eaLnBrk="0" fontAlgn="base" hangingPunct="0">
-              <a:spcBef>
-                <a:spcPct val="0"/>
-              </a:spcBef>
-              <a:spcAft>
-                <a:spcPct val="0"/>
-              </a:spcAft>
-              <a:defRPr>
-                <a:solidFill>
-                  <a:schemeClr val="tx1"/>
-                </a:solidFill>
-                <a:latin typeface="Arial" panose="020B0604020202020204" pitchFamily="34" charset="0"/>
-              </a:defRPr>
-            </a:lvl1pPr>
-            <a:lvl2pPr eaLnBrk="0" fontAlgn="base" hangingPunct="0">
-              <a:spcBef>
-                <a:spcPct val="0"/>
-              </a:spcBef>
-              <a:spcAft>
-                <a:spcPct val="0"/>
-              </a:spcAft>
-              <a:defRPr>
-                <a:solidFill>
-                  <a:schemeClr val="tx1"/>
-                </a:solidFill>
-                <a:latin typeface="Arial" panose="020B0604020202020204" pitchFamily="34" charset="0"/>
-              </a:defRPr>
-            </a:lvl2pPr>
-            <a:lvl3pPr eaLnBrk="0" fontAlgn="base" hangingPunct="0">
-              <a:spcBef>
-                <a:spcPct val="0"/>
-              </a:spcBef>
-              <a:spcAft>
-                <a:spcPct val="0"/>
-              </a:spcAft>
-              <a:defRPr>
-                <a:solidFill>
-                  <a:schemeClr val="tx1"/>
-                </a:solidFill>
-                <a:latin typeface="Arial" panose="020B0604020202020204" pitchFamily="34" charset="0"/>
-              </a:defRPr>
-            </a:lvl3pPr>
-            <a:lvl4pPr eaLnBrk="0" fontAlgn="base" hangingPunct="0">
-              <a:spcBef>
-                <a:spcPct val="0"/>
-              </a:spcBef>
-              <a:spcAft>
-                <a:spcPct val="0"/>
-              </a:spcAft>
-              <a:defRPr>
-                <a:solidFill>
-                  <a:schemeClr val="tx1"/>
-                </a:solidFill>
-                <a:latin typeface="Arial" panose="020B0604020202020204" pitchFamily="34" charset="0"/>
-              </a:defRPr>
-            </a:lvl4pPr>
-            <a:lvl5pPr eaLnBrk="0" fontAlgn="base" hangingPunct="0">
-              <a:spcBef>
-                <a:spcPct val="0"/>
-              </a:spcBef>
-              <a:spcAft>
-                <a:spcPct val="0"/>
-              </a:spcAft>
-              <a:defRPr>
-                <a:solidFill>
-                  <a:schemeClr val="tx1"/>
-                </a:solidFill>
-                <a:latin typeface="Arial" panose="020B0604020202020204" pitchFamily="34" charset="0"/>
-              </a:defRPr>
-            </a:lvl5pPr>
-            <a:lvl6pPr eaLnBrk="0" fontAlgn="base" hangingPunct="0">
-              <a:spcBef>
-                <a:spcPct val="0"/>
-              </a:spcBef>
-              <a:spcAft>
-                <a:spcPct val="0"/>
-              </a:spcAft>
-              <a:defRPr>
-                <a:solidFill>
-                  <a:schemeClr val="tx1"/>
-                </a:solidFill>
-                <a:latin typeface="Arial" panose="020B0604020202020204" pitchFamily="34" charset="0"/>
-              </a:defRPr>
-            </a:lvl6pPr>
-            <a:lvl7pPr eaLnBrk="0" fontAlgn="base" hangingPunct="0">
-              <a:spcBef>
-                <a:spcPct val="0"/>
-              </a:spcBef>
-              <a:spcAft>
-                <a:spcPct val="0"/>
-              </a:spcAft>
-              <a:defRPr>
-                <a:solidFill>
-                  <a:schemeClr val="tx1"/>
-                </a:solidFill>
-                <a:latin typeface="Arial" panose="020B0604020202020204" pitchFamily="34" charset="0"/>
-              </a:defRPr>
-            </a:lvl7pPr>
-            <a:lvl8pPr eaLnBrk="0" fontAlgn="base" hangingPunct="0">
-              <a:spcBef>
-                <a:spcPct val="0"/>
-              </a:spcBef>
-              <a:spcAft>
-                <a:spcPct val="0"/>
-              </a:spcAft>
-              <a:defRPr>
-                <a:solidFill>
-                  <a:schemeClr val="tx1"/>
-                </a:solidFill>
-                <a:latin typeface="Arial" panose="020B0604020202020204" pitchFamily="34" charset="0"/>
-              </a:defRPr>
-            </a:lvl8pPr>
-            <a:lvl9pPr eaLnBrk="0" fontAlgn="base" hangingPunct="0">
-              <a:spcBef>
-                <a:spcPct val="0"/>
-              </a:spcBef>
-              <a:spcAft>
-                <a:spcPct val="0"/>
-              </a:spcAft>
-              <a:defRPr>
-                <a:solidFill>
-                  <a:schemeClr val="tx1"/>
-                </a:solidFill>
-                <a:latin typeface="Arial" panose="020B0604020202020204" pitchFamily="34" charset="0"/>
-              </a:defRPr>
-            </a:lvl9pPr>
-          </a:lstStyle>
-          <a:p>
-            <a:pPr marL="0" marR="0" lvl="0" indent="0" algn="l" defTabSz="914400" rtl="0" eaLnBrk="0" fontAlgn="base" latinLnBrk="0" hangingPunct="0">
-              <a:lnSpc>
-                <a:spcPct val="100000"/>
-              </a:lnSpc>
-              <a:spcBef>
-                <a:spcPct val="0"/>
-              </a:spcBef>
-              <a:spcAft>
-                <a:spcPct val="0"/>
-              </a:spcAft>
-              <a:buClrTx/>
-              <a:buSzTx/>
-              <a:buFontTx/>
-              <a:buNone/>
-              <a:tabLst/>
-            </a:pPr>
-            <a:br>
-              <a:rPr kumimoji="0" lang="de-DE" altLang="de-DE" sz="1800" b="0" i="0" u="none" strike="noStrike" cap="none" normalizeH="0" baseline="0" dirty="0">
-                <a:ln>
-                  <a:noFill/>
-                </a:ln>
-                <a:solidFill>
-                  <a:schemeClr val="tx1"/>
-                </a:solidFill>
-                <a:effectLst/>
-                <a:latin typeface="Arial" panose="020B0604020202020204" pitchFamily="34" charset="0"/>
-              </a:rPr>
-            </a:br>
-            <a:endParaRPr kumimoji="0" lang="de-DE" altLang="de-DE" sz="1800" b="0" i="0" u="none" strike="noStrike" cap="none" normalizeH="0" baseline="0" dirty="0">
-              <a:ln>
-                <a:noFill/>
-              </a:ln>
-              <a:solidFill>
-                <a:schemeClr val="tx1"/>
-              </a:solidFill>
-              <a:effectLst/>
-              <a:latin typeface="Arial" panose="020B0604020202020204" pitchFamily="34" charset="0"/>
-            </a:endParaRPr>
-          </a:p>
-        </p:txBody>
-      </p:sp>
-    </p:spTree>
-    <p:extLst>
-      <p:ext uri="{BB962C8B-B14F-4D97-AF65-F5344CB8AC3E}">
-        <p14:creationId xmlns:p14="http://schemas.microsoft.com/office/powerpoint/2010/main" val="2651397506"/>
-      </p:ext>
-    </p:extLst>
-  </p:cSld>
-  <p:clrMapOvr>
-    <a:masterClrMapping/>
-  </p:clrMapOvr>
-</p:sld>
-</file>
-
-<file path=ppt/slides/slide45.xml><?xml version="1.0" encoding="utf-8"?>
-<p:sld xmlns:a="http://schemas.openxmlformats.org/drawingml/2006/main" xmlns:r="http://schemas.openxmlformats.org/officeDocument/2006/relationships" xmlns:p="http://schemas.openxmlformats.org/presentationml/2006/main">
-  <p:cSld>
-    <p:spTree>
-      <p:nvGrpSpPr>
-        <p:cNvPr id="1" name=""/>
-        <p:cNvGrpSpPr/>
-        <p:nvPr/>
-      </p:nvGrpSpPr>
-      <p:grpSpPr>
-        <a:xfrm>
-          <a:off x="0" y="0"/>
-          <a:ext cx="0" cy="0"/>
-          <a:chOff x="0" y="0"/>
-          <a:chExt cx="0" cy="0"/>
-        </a:xfrm>
-      </p:grpSpPr>
-      <p:sp>
-        <p:nvSpPr>
-          <p:cNvPr id="110" name="CustomShape 1"/>
-          <p:cNvSpPr/>
-          <p:nvPr/>
-        </p:nvSpPr>
-        <p:spPr>
-          <a:xfrm>
-            <a:off x="10994040" y="6459480"/>
-            <a:ext cx="1053360" cy="291240"/>
-          </a:xfrm>
-          <a:prstGeom prst="rect">
-            <a:avLst/>
-          </a:prstGeom>
-          <a:noFill/>
-          <a:ln w="9360">
-            <a:noFill/>
-          </a:ln>
-        </p:spPr>
-        <p:style>
-          <a:lnRef idx="0">
-            <a:scrgbClr r="0" g="0" b="0"/>
-          </a:lnRef>
-          <a:fillRef idx="0">
-            <a:scrgbClr r="0" g="0" b="0"/>
-          </a:fillRef>
-          <a:effectRef idx="0">
-            <a:scrgbClr r="0" g="0" b="0"/>
-          </a:effectRef>
-          <a:fontRef idx="minor"/>
-        </p:style>
-        <p:txBody>
-          <a:bodyPr lIns="90000" tIns="45000" rIns="90000" bIns="45000">
-            <a:noAutofit/>
-          </a:bodyPr>
-          <a:lstStyle/>
-          <a:p>
-            <a:pPr algn="r">
-              <a:lnSpc>
-                <a:spcPct val="100000"/>
-              </a:lnSpc>
-            </a:pPr>
-            <a:fld id="{E97A91C3-86B7-4F71-BFE5-4748AE594D21}" type="slidenum">
-              <a:rPr lang="de-DE" sz="1400" b="0" strike="noStrike" spc="-1">
-                <a:solidFill>
-                  <a:srgbClr val="006C30"/>
-                </a:solidFill>
-                <a:latin typeface="LMU CompatilFact"/>
-              </a:rPr>
-              <a:t>45</a:t>
-            </a:fld>
-            <a:endParaRPr lang="en-US" sz="1400" b="0" strike="noStrike" spc="-1">
-              <a:latin typeface="Arial"/>
-            </a:endParaRPr>
-          </a:p>
-        </p:txBody>
-      </p:sp>
-      <p:sp>
-        <p:nvSpPr>
-          <p:cNvPr id="111" name="CustomShape 2"/>
-          <p:cNvSpPr/>
-          <p:nvPr/>
-        </p:nvSpPr>
-        <p:spPr>
-          <a:xfrm>
-            <a:off x="507960" y="6459480"/>
-            <a:ext cx="10309680" cy="291240"/>
-          </a:xfrm>
-          <a:prstGeom prst="rect">
-            <a:avLst/>
-          </a:prstGeom>
-          <a:solidFill>
-            <a:srgbClr val="C6C7BE"/>
-          </a:solidFill>
-          <a:ln w="9360">
-            <a:noFill/>
-          </a:ln>
-        </p:spPr>
-        <p:style>
-          <a:lnRef idx="0">
-            <a:scrgbClr r="0" g="0" b="0"/>
-          </a:lnRef>
-          <a:fillRef idx="0">
-            <a:scrgbClr r="0" g="0" b="0"/>
-          </a:fillRef>
-          <a:effectRef idx="0">
-            <a:scrgbClr r="0" g="0" b="0"/>
-          </a:effectRef>
-          <a:fontRef idx="minor"/>
-        </p:style>
-        <p:txBody>
-          <a:bodyPr lIns="90000" tIns="45000" rIns="90000" bIns="45000">
-            <a:noAutofit/>
-          </a:bodyPr>
-          <a:lstStyle/>
-          <a:p>
-            <a:pPr>
-              <a:lnSpc>
-                <a:spcPct val="100000"/>
-              </a:lnSpc>
-            </a:pPr>
-            <a:r>
-              <a:rPr lang="de-DE" sz="1400" b="0" strike="noStrike" spc="-1">
-                <a:solidFill>
-                  <a:srgbClr val="006C30"/>
-                </a:solidFill>
-                <a:latin typeface="LMU CompatilFact"/>
-              </a:rPr>
-              <a:t>Zwischenpräsentation am 21.12.2020</a:t>
-            </a:r>
-            <a:endParaRPr lang="en-US" sz="1400" b="0" strike="noStrike" spc="-1">
-              <a:latin typeface="Arial"/>
-            </a:endParaRPr>
-          </a:p>
-        </p:txBody>
-      </p:sp>
-      <p:sp>
-        <p:nvSpPr>
-          <p:cNvPr id="112" name="CustomShape 3"/>
-          <p:cNvSpPr/>
-          <p:nvPr/>
-        </p:nvSpPr>
-        <p:spPr>
-          <a:xfrm>
-            <a:off x="9300240" y="188640"/>
-            <a:ext cx="1799640" cy="791280"/>
-          </a:xfrm>
-          <a:prstGeom prst="rect">
-            <a:avLst/>
-          </a:prstGeom>
-          <a:solidFill>
-            <a:srgbClr val="C6C7BE"/>
-          </a:solidFill>
-          <a:ln w="12700">
-            <a:solidFill>
-              <a:srgbClr val="C6C7BE"/>
-            </a:solidFill>
-            <a:round/>
-          </a:ln>
-        </p:spPr>
-        <p:style>
-          <a:lnRef idx="0">
-            <a:scrgbClr r="0" g="0" b="0"/>
-          </a:lnRef>
-          <a:fillRef idx="0">
-            <a:scrgbClr r="0" g="0" b="0"/>
-          </a:fillRef>
-          <a:effectRef idx="0">
-            <a:scrgbClr r="0" g="0" b="0"/>
-          </a:effectRef>
-          <a:fontRef idx="minor"/>
-        </p:style>
-      </p:sp>
-      <p:sp>
-        <p:nvSpPr>
-          <p:cNvPr id="113" name="CustomShape 4"/>
-          <p:cNvSpPr/>
-          <p:nvPr/>
-        </p:nvSpPr>
-        <p:spPr>
-          <a:xfrm>
-            <a:off x="2147040" y="457200"/>
-            <a:ext cx="6768000" cy="456480"/>
-          </a:xfrm>
-          <a:prstGeom prst="rect">
-            <a:avLst/>
-          </a:prstGeom>
-          <a:noFill/>
-          <a:ln w="9360">
-            <a:noFill/>
-          </a:ln>
-        </p:spPr>
-        <p:style>
-          <a:lnRef idx="0">
-            <a:scrgbClr r="0" g="0" b="0"/>
-          </a:lnRef>
-          <a:fillRef idx="0">
-            <a:scrgbClr r="0" g="0" b="0"/>
-          </a:fillRef>
-          <a:effectRef idx="0">
-            <a:scrgbClr r="0" g="0" b="0"/>
-          </a:effectRef>
-          <a:fontRef idx="minor"/>
-        </p:style>
-        <p:txBody>
-          <a:bodyPr lIns="90000" tIns="45000" rIns="90000" bIns="45000" anchor="b">
-            <a:noAutofit/>
-          </a:bodyPr>
-          <a:lstStyle/>
-          <a:p>
-            <a:pPr>
-              <a:lnSpc>
-                <a:spcPct val="100000"/>
-              </a:lnSpc>
-            </a:pPr>
-            <a:r>
-              <a:rPr lang="de-DE" sz="2000" b="0" strike="noStrike" spc="-1">
-                <a:solidFill>
-                  <a:srgbClr val="006C30"/>
-                </a:solidFill>
-                <a:latin typeface="LMU CompatilFact"/>
-              </a:rPr>
-              <a:t>Katja Gutmair, Stella Akouete, Noah Hurmer und Anne Gritto</a:t>
-            </a:r>
-            <a:endParaRPr lang="en-US" sz="2000" b="0" strike="noStrike" spc="-1">
-              <a:latin typeface="Arial"/>
-            </a:endParaRPr>
-          </a:p>
-        </p:txBody>
-      </p:sp>
-      <p:sp>
-        <p:nvSpPr>
-          <p:cNvPr id="114" name="CustomShape 5"/>
-          <p:cNvSpPr/>
-          <p:nvPr/>
-        </p:nvSpPr>
-        <p:spPr>
-          <a:xfrm>
-            <a:off x="9372600" y="280800"/>
-            <a:ext cx="1872360" cy="699480"/>
-          </a:xfrm>
-          <a:prstGeom prst="rect">
-            <a:avLst/>
-          </a:prstGeom>
-          <a:noFill/>
-          <a:ln w="0">
-            <a:noFill/>
-          </a:ln>
-        </p:spPr>
-        <p:style>
-          <a:lnRef idx="0">
-            <a:scrgbClr r="0" g="0" b="0"/>
-          </a:lnRef>
-          <a:fillRef idx="0">
-            <a:scrgbClr r="0" g="0" b="0"/>
-          </a:fillRef>
-          <a:effectRef idx="0">
-            <a:scrgbClr r="0" g="0" b="0"/>
-          </a:effectRef>
-          <a:fontRef idx="minor"/>
-        </p:style>
-        <p:txBody>
-          <a:bodyPr wrap="none" lIns="90000" tIns="45000" rIns="90000" bIns="45000">
-            <a:spAutoFit/>
-          </a:bodyPr>
-          <a:lstStyle/>
-          <a:p>
-            <a:pPr>
-              <a:lnSpc>
-                <a:spcPct val="100000"/>
-              </a:lnSpc>
-            </a:pPr>
-            <a:r>
-              <a:rPr lang="de-DE" sz="2000" b="0" strike="noStrike" spc="-1">
-                <a:solidFill>
-                  <a:srgbClr val="006C30"/>
-                </a:solidFill>
-                <a:latin typeface="LMU CompatilFact"/>
-                <a:ea typeface="DejaVu Sans"/>
-              </a:rPr>
-              <a:t>Statistisches </a:t>
-            </a:r>
-            <a:endParaRPr lang="en-US" sz="2000" b="0" strike="noStrike" spc="-1">
-              <a:latin typeface="Arial"/>
-            </a:endParaRPr>
-          </a:p>
-          <a:p>
-            <a:pPr>
-              <a:lnSpc>
-                <a:spcPct val="100000"/>
-              </a:lnSpc>
-            </a:pPr>
-            <a:r>
-              <a:rPr lang="de-DE" sz="2000" b="0" strike="noStrike" spc="-1">
-                <a:solidFill>
-                  <a:srgbClr val="006C30"/>
-                </a:solidFill>
-                <a:latin typeface="LMU CompatilFact"/>
-                <a:ea typeface="DejaVu Sans"/>
-              </a:rPr>
-              <a:t>Praktikum</a:t>
-            </a:r>
-            <a:endParaRPr lang="en-US" sz="2000" b="0" strike="noStrike" spc="-1">
-              <a:latin typeface="Arial"/>
-            </a:endParaRPr>
-          </a:p>
-        </p:txBody>
-      </p:sp>
-      <p:sp>
-        <p:nvSpPr>
-          <p:cNvPr id="115" name="CustomShape 6"/>
-          <p:cNvSpPr/>
-          <p:nvPr/>
-        </p:nvSpPr>
-        <p:spPr>
-          <a:xfrm>
-            <a:off x="104040" y="2286000"/>
-            <a:ext cx="11554200" cy="3815640"/>
-          </a:xfrm>
-          <a:prstGeom prst="rect">
-            <a:avLst/>
-          </a:prstGeom>
-          <a:noFill/>
-          <a:ln w="9360">
-            <a:noFill/>
-          </a:ln>
-        </p:spPr>
-        <p:style>
-          <a:lnRef idx="0">
-            <a:scrgbClr r="0" g="0" b="0"/>
-          </a:lnRef>
-          <a:fillRef idx="0">
-            <a:scrgbClr r="0" g="0" b="0"/>
-          </a:fillRef>
-          <a:effectRef idx="0">
-            <a:scrgbClr r="0" g="0" b="0"/>
-          </a:effectRef>
-          <a:fontRef idx="minor"/>
-        </p:style>
-        <p:txBody>
-          <a:bodyPr lIns="90000" tIns="45000" rIns="90000" bIns="45000">
-            <a:noAutofit/>
-          </a:bodyPr>
-          <a:lstStyle/>
-          <a:p>
-            <a:pPr marL="108360">
-              <a:lnSpc>
-                <a:spcPct val="100000"/>
-              </a:lnSpc>
-              <a:spcBef>
-                <a:spcPts val="1417"/>
-              </a:spcBef>
-              <a:buClr>
-                <a:srgbClr val="000000"/>
-              </a:buClr>
-              <a:buSzPct val="45000"/>
-            </a:pPr>
-            <a:endParaRPr lang="en-US" sz="2400" b="0" strike="noStrike" spc="-1" dirty="0">
-              <a:latin typeface="Arial"/>
-            </a:endParaRPr>
-          </a:p>
-          <a:p>
-            <a:pPr marL="864000" lvl="1" indent="-323640">
-              <a:lnSpc>
-                <a:spcPct val="100000"/>
-              </a:lnSpc>
-              <a:spcBef>
-                <a:spcPts val="1134"/>
-              </a:spcBef>
-              <a:buClr>
-                <a:srgbClr val="000000"/>
-              </a:buClr>
-              <a:buSzPct val="75000"/>
-              <a:buFont typeface="Symbol"/>
-              <a:buChar char=""/>
-            </a:pPr>
-            <a:endParaRPr lang="en-US" sz="1600" b="0" strike="noStrike" spc="-1" dirty="0">
-              <a:latin typeface="Arial"/>
-            </a:endParaRPr>
-          </a:p>
-        </p:txBody>
-      </p:sp>
-      <p:sp>
-        <p:nvSpPr>
-          <p:cNvPr id="116" name="CustomShape 7"/>
-          <p:cNvSpPr/>
-          <p:nvPr/>
-        </p:nvSpPr>
-        <p:spPr>
-          <a:xfrm>
-            <a:off x="318600" y="1304640"/>
-            <a:ext cx="11554200" cy="757440"/>
-          </a:xfrm>
-          <a:prstGeom prst="rect">
-            <a:avLst/>
-          </a:prstGeom>
-          <a:noFill/>
-          <a:ln w="0">
-            <a:noFill/>
-          </a:ln>
-        </p:spPr>
-        <p:style>
-          <a:lnRef idx="0">
-            <a:scrgbClr r="0" g="0" b="0"/>
-          </a:lnRef>
-          <a:fillRef idx="0">
-            <a:scrgbClr r="0" g="0" b="0"/>
-          </a:fillRef>
-          <a:effectRef idx="0">
-            <a:scrgbClr r="0" g="0" b="0"/>
-          </a:effectRef>
-          <a:fontRef idx="minor"/>
-        </p:style>
-        <p:txBody>
-          <a:bodyPr lIns="90000" tIns="45000" rIns="90000" bIns="45000">
-            <a:noAutofit/>
-          </a:bodyPr>
-          <a:lstStyle/>
-          <a:p>
-            <a:pPr>
-              <a:lnSpc>
-                <a:spcPct val="100000"/>
-              </a:lnSpc>
-              <a:spcAft>
-                <a:spcPts val="601"/>
-              </a:spcAft>
-              <a:tabLst>
-                <a:tab pos="0" algn="l"/>
-              </a:tabLst>
-            </a:pPr>
-            <a:r>
-              <a:rPr lang="de-DE" sz="4800" b="1" spc="-1" dirty="0">
-                <a:solidFill>
-                  <a:schemeClr val="tx1">
-                    <a:lumMod val="50000"/>
-                    <a:lumOff val="50000"/>
-                  </a:schemeClr>
-                </a:solidFill>
-                <a:latin typeface="LMU CompatilFact"/>
-              </a:rPr>
-              <a:t>Auszug aus dem GWL Datensatz</a:t>
-            </a:r>
-            <a:endParaRPr lang="en-US" sz="4800" b="0" strike="noStrike" spc="-1" dirty="0">
-              <a:solidFill>
-                <a:schemeClr val="tx1">
-                  <a:lumMod val="50000"/>
-                  <a:lumOff val="50000"/>
-                </a:schemeClr>
-              </a:solidFill>
-              <a:latin typeface="Arial"/>
-            </a:endParaRPr>
-          </a:p>
-        </p:txBody>
-      </p:sp>
-      <p:pic>
-        <p:nvPicPr>
-          <p:cNvPr id="4" name="Grafik 3" descr="Ein Bild, das Tisch enthält.&#10;&#10;Automatisch generierte Beschreibung">
-            <a:extLst>
-              <a:ext uri="{FF2B5EF4-FFF2-40B4-BE49-F238E27FC236}">
-                <a16:creationId xmlns:a16="http://schemas.microsoft.com/office/drawing/2014/main" id="{D1D761AB-FB27-4C34-AA8B-2CDE1D59C801}"/>
-              </a:ext>
-            </a:extLst>
-          </p:cNvPr>
-          <p:cNvPicPr>
-            <a:picLocks noChangeAspect="1"/>
-          </p:cNvPicPr>
-          <p:nvPr/>
-        </p:nvPicPr>
-        <p:blipFill>
-          <a:blip r:embed="rId2">
-            <a:extLst>
-              <a:ext uri="{28A0092B-C50C-407E-A947-70E740481C1C}">
-                <a14:useLocalDpi xmlns:a14="http://schemas.microsoft.com/office/drawing/2010/main" val="0"/>
-              </a:ext>
-            </a:extLst>
-          </a:blip>
-          <a:stretch>
-            <a:fillRect/>
-          </a:stretch>
-        </p:blipFill>
-        <p:spPr>
-          <a:xfrm>
-            <a:off x="607559" y="2419920"/>
-            <a:ext cx="10547162" cy="3815640"/>
-          </a:xfrm>
-          <a:prstGeom prst="rect">
-            <a:avLst/>
-          </a:prstGeom>
-        </p:spPr>
-      </p:pic>
-    </p:spTree>
-    <p:extLst>
-      <p:ext uri="{BB962C8B-B14F-4D97-AF65-F5344CB8AC3E}">
-        <p14:creationId xmlns:p14="http://schemas.microsoft.com/office/powerpoint/2010/main" val="1191239569"/>
-      </p:ext>
-    </p:extLst>
-  </p:cSld>
-  <p:clrMapOvr>
-    <a:masterClrMapping/>
-  </p:clrMapOvr>
-</p:sld>
-</file>
-
-<file path=ppt/slides/slide46.xml><?xml version="1.0" encoding="utf-8"?>
-<p:sld xmlns:a="http://schemas.openxmlformats.org/drawingml/2006/main" xmlns:r="http://schemas.openxmlformats.org/officeDocument/2006/relationships" xmlns:p="http://schemas.openxmlformats.org/presentationml/2006/main">
-  <p:cSld>
-    <p:spTree>
-      <p:nvGrpSpPr>
-        <p:cNvPr id="1" name=""/>
-        <p:cNvGrpSpPr/>
-        <p:nvPr/>
-      </p:nvGrpSpPr>
-      <p:grpSpPr>
-        <a:xfrm>
-          <a:off x="0" y="0"/>
-          <a:ext cx="0" cy="0"/>
-          <a:chOff x="0" y="0"/>
-          <a:chExt cx="0" cy="0"/>
-        </a:xfrm>
-      </p:grpSpPr>
-      <p:pic>
-        <p:nvPicPr>
-          <p:cNvPr id="176" name="Picture 175"/>
-          <p:cNvPicPr/>
-          <p:nvPr/>
-        </p:nvPicPr>
-        <p:blipFill>
-          <a:blip r:embed="rId2"/>
-          <a:srcRect b="21059"/>
-          <a:stretch/>
-        </p:blipFill>
-        <p:spPr>
-          <a:xfrm>
-            <a:off x="2147040" y="1174044"/>
-            <a:ext cx="7764604" cy="5226756"/>
-          </a:xfrm>
-          <a:prstGeom prst="rect">
-            <a:avLst/>
-          </a:prstGeom>
-          <a:ln w="0">
-            <a:noFill/>
-          </a:ln>
-        </p:spPr>
-      </p:pic>
-      <p:sp>
-        <p:nvSpPr>
-          <p:cNvPr id="177" name="CustomShape 1"/>
-          <p:cNvSpPr/>
-          <p:nvPr/>
-        </p:nvSpPr>
-        <p:spPr>
-          <a:xfrm>
-            <a:off x="10994040" y="6459480"/>
-            <a:ext cx="1053000" cy="290880"/>
-          </a:xfrm>
-          <a:prstGeom prst="rect">
-            <a:avLst/>
-          </a:prstGeom>
-          <a:noFill/>
-          <a:ln w="9360">
-            <a:noFill/>
-          </a:ln>
-        </p:spPr>
-        <p:style>
-          <a:lnRef idx="0">
-            <a:scrgbClr r="0" g="0" b="0"/>
-          </a:lnRef>
-          <a:fillRef idx="0">
-            <a:scrgbClr r="0" g="0" b="0"/>
-          </a:fillRef>
-          <a:effectRef idx="0">
-            <a:scrgbClr r="0" g="0" b="0"/>
-          </a:effectRef>
-          <a:fontRef idx="minor"/>
-        </p:style>
-        <p:txBody>
-          <a:bodyPr lIns="90000" tIns="45000" rIns="90000" bIns="45000">
-            <a:noAutofit/>
-          </a:bodyPr>
-          <a:lstStyle/>
-          <a:p>
-            <a:pPr algn="r">
-              <a:lnSpc>
-                <a:spcPct val="100000"/>
-              </a:lnSpc>
-            </a:pPr>
-            <a:fld id="{10842D3E-C356-4765-9205-86749FBE6B06}" type="slidenum">
-              <a:rPr lang="de-DE" sz="1400" b="0" strike="noStrike" spc="-1">
-                <a:solidFill>
-                  <a:srgbClr val="006C30"/>
-                </a:solidFill>
-                <a:latin typeface="LMU CompatilFact"/>
-                <a:ea typeface="DejaVu Sans"/>
-              </a:rPr>
-              <a:t>46</a:t>
-            </a:fld>
-            <a:endParaRPr lang="en-US" sz="1400" b="0" strike="noStrike" spc="-1">
-              <a:latin typeface="Arial"/>
-            </a:endParaRPr>
-          </a:p>
-        </p:txBody>
-      </p:sp>
-      <p:sp>
-        <p:nvSpPr>
-          <p:cNvPr id="178" name="CustomShape 2"/>
-          <p:cNvSpPr/>
-          <p:nvPr/>
-        </p:nvSpPr>
-        <p:spPr>
-          <a:xfrm>
-            <a:off x="507960" y="6459480"/>
-            <a:ext cx="10309320" cy="290880"/>
-          </a:xfrm>
-          <a:prstGeom prst="rect">
-            <a:avLst/>
-          </a:prstGeom>
-          <a:solidFill>
-            <a:srgbClr val="C6C7BE"/>
-          </a:solidFill>
-          <a:ln w="9360">
-            <a:noFill/>
-          </a:ln>
-        </p:spPr>
-        <p:style>
-          <a:lnRef idx="0">
-            <a:scrgbClr r="0" g="0" b="0"/>
-          </a:lnRef>
-          <a:fillRef idx="0">
-            <a:scrgbClr r="0" g="0" b="0"/>
-          </a:fillRef>
-          <a:effectRef idx="0">
-            <a:scrgbClr r="0" g="0" b="0"/>
-          </a:effectRef>
-          <a:fontRef idx="minor"/>
-        </p:style>
-        <p:txBody>
-          <a:bodyPr lIns="90000" tIns="45000" rIns="90000" bIns="45000">
-            <a:noAutofit/>
-          </a:bodyPr>
-          <a:lstStyle/>
-          <a:p>
-            <a:pPr>
-              <a:lnSpc>
-                <a:spcPct val="100000"/>
-              </a:lnSpc>
-            </a:pPr>
-            <a:r>
-              <a:rPr lang="de-DE" sz="1400" b="0" strike="noStrike" spc="-1">
-                <a:solidFill>
-                  <a:srgbClr val="006C30"/>
-                </a:solidFill>
-                <a:latin typeface="LMU CompatilFact"/>
-                <a:ea typeface="DejaVu Sans"/>
-              </a:rPr>
-              <a:t>Zwischenpräsentation am 21.12.2020</a:t>
-            </a:r>
-            <a:endParaRPr lang="en-US" sz="1400" b="0" strike="noStrike" spc="-1">
-              <a:latin typeface="Arial"/>
-            </a:endParaRPr>
-          </a:p>
-        </p:txBody>
-      </p:sp>
-      <p:sp>
-        <p:nvSpPr>
-          <p:cNvPr id="179" name="CustomShape 3"/>
-          <p:cNvSpPr/>
-          <p:nvPr/>
-        </p:nvSpPr>
-        <p:spPr>
-          <a:xfrm>
-            <a:off x="9300240" y="188640"/>
-            <a:ext cx="1799280" cy="790920"/>
-          </a:xfrm>
-          <a:prstGeom prst="rect">
-            <a:avLst/>
-          </a:prstGeom>
-          <a:solidFill>
-            <a:srgbClr val="C6C7BE"/>
-          </a:solidFill>
-          <a:ln w="12700">
-            <a:solidFill>
-              <a:srgbClr val="C6C7BE"/>
-            </a:solidFill>
-            <a:round/>
-          </a:ln>
-        </p:spPr>
-        <p:style>
-          <a:lnRef idx="0">
-            <a:scrgbClr r="0" g="0" b="0"/>
-          </a:lnRef>
-          <a:fillRef idx="0">
-            <a:scrgbClr r="0" g="0" b="0"/>
-          </a:fillRef>
-          <a:effectRef idx="0">
-            <a:scrgbClr r="0" g="0" b="0"/>
-          </a:effectRef>
-          <a:fontRef idx="minor"/>
-        </p:style>
-      </p:sp>
-      <p:sp>
-        <p:nvSpPr>
-          <p:cNvPr id="180" name="CustomShape 4"/>
-          <p:cNvSpPr/>
-          <p:nvPr/>
-        </p:nvSpPr>
-        <p:spPr>
-          <a:xfrm>
-            <a:off x="2147040" y="457200"/>
-            <a:ext cx="6767640" cy="456120"/>
-          </a:xfrm>
-          <a:prstGeom prst="rect">
-            <a:avLst/>
-          </a:prstGeom>
-          <a:noFill/>
-          <a:ln w="9360">
-            <a:noFill/>
-          </a:ln>
-        </p:spPr>
-        <p:style>
-          <a:lnRef idx="0">
-            <a:scrgbClr r="0" g="0" b="0"/>
-          </a:lnRef>
-          <a:fillRef idx="0">
-            <a:scrgbClr r="0" g="0" b="0"/>
-          </a:fillRef>
-          <a:effectRef idx="0">
-            <a:scrgbClr r="0" g="0" b="0"/>
-          </a:effectRef>
-          <a:fontRef idx="minor"/>
-        </p:style>
-        <p:txBody>
-          <a:bodyPr lIns="90000" tIns="45000" rIns="90000" bIns="45000" anchor="b">
-            <a:noAutofit/>
-          </a:bodyPr>
-          <a:lstStyle/>
-          <a:p>
-            <a:pPr>
-              <a:lnSpc>
-                <a:spcPct val="100000"/>
-              </a:lnSpc>
-            </a:pPr>
-            <a:r>
-              <a:rPr lang="de-DE" sz="2000" b="0" strike="noStrike" spc="-1">
-                <a:solidFill>
-                  <a:srgbClr val="006C30"/>
-                </a:solidFill>
-                <a:latin typeface="LMU CompatilFact"/>
-                <a:ea typeface="DejaVu Sans"/>
-              </a:rPr>
-              <a:t>Katja Gutmair, Stella Akouete, Noah Hurmer und Anne Gritto</a:t>
-            </a:r>
-            <a:endParaRPr lang="en-US" sz="2000" b="0" strike="noStrike" spc="-1">
-              <a:latin typeface="Arial"/>
-            </a:endParaRPr>
-          </a:p>
-        </p:txBody>
-      </p:sp>
-      <p:sp>
-        <p:nvSpPr>
-          <p:cNvPr id="181" name="CustomShape 5"/>
-          <p:cNvSpPr/>
-          <p:nvPr/>
-        </p:nvSpPr>
-        <p:spPr>
-          <a:xfrm>
-            <a:off x="9372600" y="280800"/>
-            <a:ext cx="1872000" cy="699480"/>
-          </a:xfrm>
-          <a:prstGeom prst="rect">
-            <a:avLst/>
-          </a:prstGeom>
-          <a:noFill/>
-          <a:ln w="0">
-            <a:noFill/>
-          </a:ln>
-        </p:spPr>
-        <p:style>
-          <a:lnRef idx="0">
-            <a:scrgbClr r="0" g="0" b="0"/>
-          </a:lnRef>
-          <a:fillRef idx="0">
-            <a:scrgbClr r="0" g="0" b="0"/>
-          </a:fillRef>
-          <a:effectRef idx="0">
-            <a:scrgbClr r="0" g="0" b="0"/>
-          </a:effectRef>
-          <a:fontRef idx="minor"/>
-        </p:style>
-        <p:txBody>
-          <a:bodyPr wrap="none" lIns="90000" tIns="45000" rIns="90000" bIns="45000">
-            <a:spAutoFit/>
-          </a:bodyPr>
-          <a:lstStyle/>
-          <a:p>
-            <a:pPr>
-              <a:lnSpc>
-                <a:spcPct val="100000"/>
-              </a:lnSpc>
-            </a:pPr>
-            <a:r>
-              <a:rPr lang="de-DE" sz="2000" b="0" strike="noStrike" spc="-1">
-                <a:solidFill>
-                  <a:srgbClr val="006C30"/>
-                </a:solidFill>
-                <a:latin typeface="LMU CompatilFact"/>
-                <a:ea typeface="DejaVu Sans"/>
-              </a:rPr>
-              <a:t>Statistisches </a:t>
-            </a:r>
-            <a:endParaRPr lang="en-US" sz="2000" b="0" strike="noStrike" spc="-1">
-              <a:latin typeface="Arial"/>
-            </a:endParaRPr>
-          </a:p>
-          <a:p>
-            <a:pPr>
-              <a:lnSpc>
-                <a:spcPct val="100000"/>
-              </a:lnSpc>
-            </a:pPr>
-            <a:r>
-              <a:rPr lang="de-DE" sz="2000" b="0" strike="noStrike" spc="-1">
-                <a:solidFill>
-                  <a:srgbClr val="006C30"/>
-                </a:solidFill>
-                <a:latin typeface="LMU CompatilFact"/>
-                <a:ea typeface="DejaVu Sans"/>
-              </a:rPr>
-              <a:t>Praktikum</a:t>
-            </a:r>
-            <a:endParaRPr lang="en-US" sz="2000" b="0" strike="noStrike" spc="-1">
-              <a:latin typeface="Arial"/>
-            </a:endParaRPr>
-          </a:p>
-        </p:txBody>
-      </p:sp>
-      <p:sp>
-        <p:nvSpPr>
-          <p:cNvPr id="182" name="CustomShape 6"/>
-          <p:cNvSpPr/>
-          <p:nvPr/>
-        </p:nvSpPr>
-        <p:spPr>
-          <a:xfrm>
-            <a:off x="159120" y="2169000"/>
-            <a:ext cx="11553840" cy="3815280"/>
-          </a:xfrm>
-          <a:prstGeom prst="rect">
-            <a:avLst/>
-          </a:prstGeom>
-          <a:noFill/>
-          <a:ln w="9360">
-            <a:noFill/>
-          </a:ln>
-        </p:spPr>
-        <p:style>
-          <a:lnRef idx="0">
-            <a:scrgbClr r="0" g="0" b="0"/>
-          </a:lnRef>
-          <a:fillRef idx="0">
-            <a:scrgbClr r="0" g="0" b="0"/>
-          </a:fillRef>
-          <a:effectRef idx="0">
-            <a:scrgbClr r="0" g="0" b="0"/>
-          </a:effectRef>
-          <a:fontRef idx="minor"/>
-        </p:style>
-      </p:sp>
-      <p:sp>
-        <p:nvSpPr>
-          <p:cNvPr id="183" name="CustomShape 7"/>
-          <p:cNvSpPr/>
-          <p:nvPr/>
-        </p:nvSpPr>
-        <p:spPr>
-          <a:xfrm>
-            <a:off x="318600" y="1304640"/>
-            <a:ext cx="11553840" cy="757080"/>
-          </a:xfrm>
-          <a:prstGeom prst="rect">
-            <a:avLst/>
-          </a:prstGeom>
-          <a:noFill/>
-          <a:ln w="0">
-            <a:noFill/>
-          </a:ln>
-        </p:spPr>
-        <p:style>
-          <a:lnRef idx="0">
-            <a:scrgbClr r="0" g="0" b="0"/>
-          </a:lnRef>
-          <a:fillRef idx="0">
-            <a:scrgbClr r="0" g="0" b="0"/>
-          </a:fillRef>
-          <a:effectRef idx="0">
-            <a:scrgbClr r="0" g="0" b="0"/>
-          </a:effectRef>
-          <a:fontRef idx="minor"/>
-        </p:style>
-      </p:sp>
-      <p:sp>
-        <p:nvSpPr>
-          <p:cNvPr id="2" name="Textfeld 1">
-            <a:extLst>
-              <a:ext uri="{FF2B5EF4-FFF2-40B4-BE49-F238E27FC236}">
-                <a16:creationId xmlns:a16="http://schemas.microsoft.com/office/drawing/2014/main" id="{709D401D-85C1-496A-975D-BB6E20545CEE}"/>
-              </a:ext>
-            </a:extLst>
-          </p:cNvPr>
-          <p:cNvSpPr txBox="1"/>
-          <p:nvPr/>
-        </p:nvSpPr>
-        <p:spPr>
-          <a:xfrm>
-            <a:off x="507960" y="2506133"/>
-            <a:ext cx="979755" cy="369332"/>
-          </a:xfrm>
-          <a:prstGeom prst="rect">
-            <a:avLst/>
-          </a:prstGeom>
-          <a:noFill/>
-        </p:spPr>
-        <p:txBody>
-          <a:bodyPr wrap="none" rtlCol="0">
-            <a:spAutoFit/>
-          </a:bodyPr>
-          <a:lstStyle/>
-          <a:p>
-            <a:r>
-              <a:rPr lang="de-DE" dirty="0"/>
-              <a:t>Anhang</a:t>
-            </a:r>
-          </a:p>
-        </p:txBody>
-      </p:sp>
-    </p:spTree>
-    <p:extLst>
-      <p:ext uri="{BB962C8B-B14F-4D97-AF65-F5344CB8AC3E}">
-        <p14:creationId xmlns:p14="http://schemas.microsoft.com/office/powerpoint/2010/main" val="2495293934"/>
-      </p:ext>
-    </p:extLst>
-  </p:cSld>
-  <p:clrMapOvr>
-    <a:masterClrMapping/>
-  </p:clrMapOvr>
-</p:sld>
-</file>
-
-<file path=ppt/slides/slide47.xml><?xml version="1.0" encoding="utf-8"?>
-<p:sld xmlns:a="http://schemas.openxmlformats.org/drawingml/2006/main" xmlns:r="http://schemas.openxmlformats.org/officeDocument/2006/relationships" xmlns:p="http://schemas.openxmlformats.org/presentationml/2006/main">
-  <p:cSld>
-    <p:spTree>
-      <p:nvGrpSpPr>
-        <p:cNvPr id="1" name=""/>
-        <p:cNvGrpSpPr/>
-        <p:nvPr/>
-      </p:nvGrpSpPr>
-      <p:grpSpPr>
-        <a:xfrm>
-          <a:off x="0" y="0"/>
-          <a:ext cx="0" cy="0"/>
-          <a:chOff x="0" y="0"/>
-          <a:chExt cx="0" cy="0"/>
-        </a:xfrm>
-      </p:grpSpPr>
-      <p:sp>
-        <p:nvSpPr>
-          <p:cNvPr id="180" name="CustomShape 1"/>
-          <p:cNvSpPr/>
-          <p:nvPr/>
-        </p:nvSpPr>
-        <p:spPr>
-          <a:xfrm>
-            <a:off x="10994040" y="6459480"/>
-            <a:ext cx="1053360" cy="291240"/>
-          </a:xfrm>
-          <a:prstGeom prst="rect">
-            <a:avLst/>
-          </a:prstGeom>
-          <a:noFill/>
-          <a:ln w="9360">
-            <a:noFill/>
-          </a:ln>
-        </p:spPr>
-        <p:style>
-          <a:lnRef idx="0">
-            <a:scrgbClr r="0" g="0" b="0"/>
-          </a:lnRef>
-          <a:fillRef idx="0">
-            <a:scrgbClr r="0" g="0" b="0"/>
-          </a:fillRef>
-          <a:effectRef idx="0">
-            <a:scrgbClr r="0" g="0" b="0"/>
-          </a:effectRef>
-          <a:fontRef idx="minor"/>
-        </p:style>
-        <p:txBody>
-          <a:bodyPr lIns="90000" tIns="45000" rIns="90000" bIns="45000">
-            <a:noAutofit/>
-          </a:bodyPr>
-          <a:lstStyle/>
-          <a:p>
-            <a:pPr algn="r">
-              <a:lnSpc>
-                <a:spcPct val="100000"/>
-              </a:lnSpc>
-            </a:pPr>
-            <a:fld id="{65C9EE46-E291-4ABB-B4E8-C9CA1DA2E119}" type="slidenum">
-              <a:rPr lang="de-DE" sz="1400" b="0" strike="noStrike" spc="-1">
-                <a:solidFill>
-                  <a:srgbClr val="006C30"/>
-                </a:solidFill>
-                <a:latin typeface="LMU CompatilFact"/>
-              </a:rPr>
-              <a:t>47</a:t>
-            </a:fld>
-            <a:endParaRPr lang="en-US" sz="1400" b="0" strike="noStrike" spc="-1">
-              <a:latin typeface="Arial"/>
-            </a:endParaRPr>
-          </a:p>
-        </p:txBody>
-      </p:sp>
-      <p:sp>
-        <p:nvSpPr>
-          <p:cNvPr id="181" name="CustomShape 2"/>
-          <p:cNvSpPr/>
-          <p:nvPr/>
-        </p:nvSpPr>
-        <p:spPr>
-          <a:xfrm>
-            <a:off x="507960" y="6459480"/>
-            <a:ext cx="10309680" cy="291240"/>
-          </a:xfrm>
-          <a:prstGeom prst="rect">
-            <a:avLst/>
-          </a:prstGeom>
-          <a:solidFill>
-            <a:srgbClr val="C6C7BE"/>
-          </a:solidFill>
-          <a:ln w="9360">
-            <a:noFill/>
-          </a:ln>
-        </p:spPr>
-        <p:style>
-          <a:lnRef idx="0">
-            <a:scrgbClr r="0" g="0" b="0"/>
-          </a:lnRef>
-          <a:fillRef idx="0">
-            <a:scrgbClr r="0" g="0" b="0"/>
-          </a:fillRef>
-          <a:effectRef idx="0">
-            <a:scrgbClr r="0" g="0" b="0"/>
-          </a:effectRef>
-          <a:fontRef idx="minor"/>
-        </p:style>
-        <p:txBody>
-          <a:bodyPr lIns="90000" tIns="45000" rIns="90000" bIns="45000">
-            <a:noAutofit/>
-          </a:bodyPr>
-          <a:lstStyle/>
-          <a:p>
-            <a:pPr>
-              <a:lnSpc>
-                <a:spcPct val="100000"/>
-              </a:lnSpc>
-            </a:pPr>
-            <a:r>
-              <a:rPr lang="de-DE" sz="1400" b="0" strike="noStrike" spc="-1">
-                <a:solidFill>
-                  <a:srgbClr val="006C30"/>
-                </a:solidFill>
-                <a:latin typeface="LMU CompatilFact"/>
-              </a:rPr>
-              <a:t>Zwischenpräsentation am 21.12.2020</a:t>
-            </a:r>
-            <a:endParaRPr lang="en-US" sz="1400" b="0" strike="noStrike" spc="-1">
-              <a:latin typeface="Arial"/>
-            </a:endParaRPr>
-          </a:p>
-        </p:txBody>
-      </p:sp>
-      <p:sp>
-        <p:nvSpPr>
-          <p:cNvPr id="182" name="CustomShape 3"/>
-          <p:cNvSpPr/>
-          <p:nvPr/>
-        </p:nvSpPr>
-        <p:spPr>
-          <a:xfrm>
-            <a:off x="9300240" y="188640"/>
-            <a:ext cx="1799640" cy="791280"/>
-          </a:xfrm>
-          <a:prstGeom prst="rect">
-            <a:avLst/>
-          </a:prstGeom>
-          <a:solidFill>
-            <a:srgbClr val="C6C7BE"/>
-          </a:solidFill>
-          <a:ln w="12700">
-            <a:solidFill>
-              <a:srgbClr val="C6C7BE"/>
-            </a:solidFill>
-            <a:round/>
-          </a:ln>
-        </p:spPr>
-        <p:style>
-          <a:lnRef idx="0">
-            <a:scrgbClr r="0" g="0" b="0"/>
-          </a:lnRef>
-          <a:fillRef idx="0">
-            <a:scrgbClr r="0" g="0" b="0"/>
-          </a:fillRef>
-          <a:effectRef idx="0">
-            <a:scrgbClr r="0" g="0" b="0"/>
-          </a:effectRef>
-          <a:fontRef idx="minor"/>
-        </p:style>
-      </p:sp>
-      <p:sp>
-        <p:nvSpPr>
-          <p:cNvPr id="183" name="CustomShape 4"/>
-          <p:cNvSpPr/>
-          <p:nvPr/>
-        </p:nvSpPr>
-        <p:spPr>
-          <a:xfrm>
-            <a:off x="2147040" y="457200"/>
-            <a:ext cx="6768000" cy="456480"/>
-          </a:xfrm>
-          <a:prstGeom prst="rect">
-            <a:avLst/>
-          </a:prstGeom>
-          <a:noFill/>
-          <a:ln w="9360">
-            <a:noFill/>
-          </a:ln>
-        </p:spPr>
-        <p:style>
-          <a:lnRef idx="0">
-            <a:scrgbClr r="0" g="0" b="0"/>
-          </a:lnRef>
-          <a:fillRef idx="0">
-            <a:scrgbClr r="0" g="0" b="0"/>
-          </a:fillRef>
-          <a:effectRef idx="0">
-            <a:scrgbClr r="0" g="0" b="0"/>
-          </a:effectRef>
-          <a:fontRef idx="minor"/>
-        </p:style>
-        <p:txBody>
-          <a:bodyPr lIns="90000" tIns="45000" rIns="90000" bIns="45000" anchor="b">
-            <a:noAutofit/>
-          </a:bodyPr>
-          <a:lstStyle/>
-          <a:p>
-            <a:pPr>
-              <a:lnSpc>
-                <a:spcPct val="100000"/>
-              </a:lnSpc>
-            </a:pPr>
-            <a:r>
-              <a:rPr lang="de-DE" sz="2000" b="0" strike="noStrike" spc="-1">
-                <a:solidFill>
-                  <a:srgbClr val="006C30"/>
-                </a:solidFill>
-                <a:latin typeface="LMU CompatilFact"/>
-              </a:rPr>
-              <a:t>Katja Gutmair, Stella Akouete, Noah Hurmer und Anne Gritto</a:t>
-            </a:r>
-            <a:endParaRPr lang="en-US" sz="2000" b="0" strike="noStrike" spc="-1">
-              <a:latin typeface="Arial"/>
-            </a:endParaRPr>
-          </a:p>
-        </p:txBody>
-      </p:sp>
-      <p:sp>
-        <p:nvSpPr>
-          <p:cNvPr id="184" name="CustomShape 5"/>
-          <p:cNvSpPr/>
-          <p:nvPr/>
-        </p:nvSpPr>
-        <p:spPr>
-          <a:xfrm>
-            <a:off x="9372600" y="280800"/>
-            <a:ext cx="1872360" cy="699480"/>
-          </a:xfrm>
-          <a:prstGeom prst="rect">
-            <a:avLst/>
-          </a:prstGeom>
-          <a:noFill/>
-          <a:ln w="0">
-            <a:noFill/>
-          </a:ln>
-        </p:spPr>
-        <p:style>
-          <a:lnRef idx="0">
-            <a:scrgbClr r="0" g="0" b="0"/>
-          </a:lnRef>
-          <a:fillRef idx="0">
-            <a:scrgbClr r="0" g="0" b="0"/>
-          </a:fillRef>
-          <a:effectRef idx="0">
-            <a:scrgbClr r="0" g="0" b="0"/>
-          </a:effectRef>
-          <a:fontRef idx="minor"/>
-        </p:style>
-        <p:txBody>
-          <a:bodyPr wrap="none" lIns="90000" tIns="45000" rIns="90000" bIns="45000">
-            <a:spAutoFit/>
-          </a:bodyPr>
-          <a:lstStyle/>
-          <a:p>
-            <a:pPr>
-              <a:lnSpc>
-                <a:spcPct val="100000"/>
-              </a:lnSpc>
-            </a:pPr>
-            <a:r>
-              <a:rPr lang="de-DE" sz="2000" b="0" strike="noStrike" spc="-1">
-                <a:solidFill>
-                  <a:srgbClr val="006C30"/>
-                </a:solidFill>
-                <a:latin typeface="LMU CompatilFact"/>
-                <a:ea typeface="DejaVu Sans"/>
-              </a:rPr>
-              <a:t>Statistisches </a:t>
-            </a:r>
-            <a:endParaRPr lang="en-US" sz="2000" b="0" strike="noStrike" spc="-1">
-              <a:latin typeface="Arial"/>
-            </a:endParaRPr>
-          </a:p>
-          <a:p>
-            <a:pPr>
-              <a:lnSpc>
-                <a:spcPct val="100000"/>
-              </a:lnSpc>
-            </a:pPr>
-            <a:r>
-              <a:rPr lang="de-DE" sz="2000" b="0" strike="noStrike" spc="-1">
-                <a:solidFill>
-                  <a:srgbClr val="006C30"/>
-                </a:solidFill>
-                <a:latin typeface="LMU CompatilFact"/>
-                <a:ea typeface="DejaVu Sans"/>
-              </a:rPr>
-              <a:t>Praktikum</a:t>
-            </a:r>
-            <a:endParaRPr lang="en-US" sz="2000" b="0" strike="noStrike" spc="-1">
-              <a:latin typeface="Arial"/>
-            </a:endParaRPr>
-          </a:p>
-        </p:txBody>
-      </p:sp>
-      <p:sp>
-        <p:nvSpPr>
-          <p:cNvPr id="185" name="CustomShape 6"/>
-          <p:cNvSpPr/>
-          <p:nvPr/>
-        </p:nvSpPr>
-        <p:spPr>
-          <a:xfrm>
-            <a:off x="159120" y="2169000"/>
-            <a:ext cx="11554200" cy="4408200"/>
-          </a:xfrm>
-          <a:prstGeom prst="rect">
-            <a:avLst/>
-          </a:prstGeom>
-          <a:noFill/>
-          <a:ln w="9360">
-            <a:noFill/>
-          </a:ln>
-        </p:spPr>
-        <p:style>
-          <a:lnRef idx="0">
-            <a:scrgbClr r="0" g="0" b="0"/>
-          </a:lnRef>
-          <a:fillRef idx="0">
-            <a:scrgbClr r="0" g="0" b="0"/>
-          </a:fillRef>
-          <a:effectRef idx="0">
-            <a:scrgbClr r="0" g="0" b="0"/>
-          </a:effectRef>
-          <a:fontRef idx="minor"/>
-        </p:style>
-        <p:txBody>
-          <a:bodyPr lIns="90000" tIns="45000" rIns="90000" bIns="45000">
-            <a:noAutofit/>
-          </a:bodyPr>
-          <a:lstStyle/>
-          <a:p>
-            <a:pPr marL="108360">
-              <a:spcBef>
-                <a:spcPts val="1417"/>
-              </a:spcBef>
-              <a:buClr>
-                <a:srgbClr val="000000"/>
-              </a:buClr>
-              <a:buSzPct val="45000"/>
-            </a:pPr>
-            <a:endParaRPr lang="en-US" sz="2400" spc="-1" dirty="0">
-              <a:latin typeface="LMU CompatilFact"/>
-            </a:endParaRPr>
-          </a:p>
-          <a:p>
-            <a:pPr marL="108360">
-              <a:lnSpc>
-                <a:spcPct val="100000"/>
-              </a:lnSpc>
-              <a:spcBef>
-                <a:spcPts val="1417"/>
-              </a:spcBef>
-              <a:buClr>
-                <a:srgbClr val="000000"/>
-              </a:buClr>
-              <a:buSzPct val="45000"/>
-            </a:pPr>
-            <a:endParaRPr lang="en-US" sz="2400" spc="-1" dirty="0"/>
-          </a:p>
-          <a:p>
-            <a:pPr marL="540360" lvl="1">
-              <a:lnSpc>
-                <a:spcPct val="100000"/>
-              </a:lnSpc>
-              <a:spcBef>
-                <a:spcPts val="1134"/>
-              </a:spcBef>
-              <a:buClr>
-                <a:srgbClr val="000000"/>
-              </a:buClr>
-              <a:buSzPct val="75000"/>
-            </a:pPr>
-            <a:endParaRPr lang="de-DE" sz="2000" b="0" strike="noStrike" spc="-1" dirty="0">
-              <a:solidFill>
-                <a:srgbClr val="000000"/>
-              </a:solidFill>
-              <a:latin typeface="LMU CompatilFact"/>
-            </a:endParaRPr>
-          </a:p>
-          <a:p>
-            <a:pPr marL="864000" lvl="1" indent="-323640">
-              <a:lnSpc>
-                <a:spcPct val="100000"/>
-              </a:lnSpc>
-              <a:spcBef>
-                <a:spcPts val="1134"/>
-              </a:spcBef>
-              <a:buClr>
-                <a:srgbClr val="000000"/>
-              </a:buClr>
-              <a:buSzPct val="75000"/>
-              <a:buFont typeface="Symbol"/>
-              <a:buChar char=""/>
-            </a:pPr>
-            <a:endParaRPr lang="de-DE" sz="2000" spc="-1" dirty="0">
-              <a:solidFill>
-                <a:srgbClr val="000000"/>
-              </a:solidFill>
-              <a:latin typeface="LMU CompatilFact"/>
-              <a:cs typeface="Times New Roman" panose="02020603050405020304" pitchFamily="18" charset="0"/>
-            </a:endParaRPr>
-          </a:p>
-          <a:p>
-            <a:pPr marL="540360" lvl="1">
-              <a:lnSpc>
-                <a:spcPct val="100000"/>
-              </a:lnSpc>
-              <a:spcBef>
-                <a:spcPts val="1134"/>
-              </a:spcBef>
-              <a:buClr>
-                <a:srgbClr val="000000"/>
-              </a:buClr>
-              <a:buSzPct val="75000"/>
-            </a:pPr>
-            <a:endParaRPr lang="en-US" sz="2000" spc="-1" dirty="0">
-              <a:latin typeface="LMU CompatilFact"/>
-            </a:endParaRPr>
-          </a:p>
-        </p:txBody>
-      </p:sp>
-      <p:sp>
-        <p:nvSpPr>
-          <p:cNvPr id="186" name="CustomShape 7"/>
-          <p:cNvSpPr/>
-          <p:nvPr/>
-        </p:nvSpPr>
-        <p:spPr>
-          <a:xfrm>
-            <a:off x="318600" y="1304640"/>
-            <a:ext cx="11554200" cy="757440"/>
-          </a:xfrm>
-          <a:prstGeom prst="rect">
-            <a:avLst/>
-          </a:prstGeom>
-          <a:noFill/>
-          <a:ln w="0">
-            <a:noFill/>
-          </a:ln>
-        </p:spPr>
-        <p:style>
-          <a:lnRef idx="0">
-            <a:scrgbClr r="0" g="0" b="0"/>
-          </a:lnRef>
-          <a:fillRef idx="0">
-            <a:scrgbClr r="0" g="0" b="0"/>
-          </a:fillRef>
-          <a:effectRef idx="0">
-            <a:scrgbClr r="0" g="0" b="0"/>
-          </a:effectRef>
-          <a:fontRef idx="minor"/>
-        </p:style>
-        <p:txBody>
-          <a:bodyPr lIns="90000" tIns="45000" rIns="90000" bIns="45000">
-            <a:noAutofit/>
-          </a:bodyPr>
-          <a:lstStyle/>
-          <a:p>
-            <a:pPr>
-              <a:lnSpc>
-                <a:spcPct val="100000"/>
-              </a:lnSpc>
-              <a:spcAft>
-                <a:spcPts val="601"/>
-              </a:spcAft>
-              <a:tabLst>
-                <a:tab pos="0" algn="l"/>
-              </a:tabLst>
-            </a:pPr>
-            <a:r>
-              <a:rPr lang="de-DE" sz="4800" b="1" strike="noStrike" spc="-1" dirty="0">
-                <a:solidFill>
-                  <a:schemeClr val="tx1">
-                    <a:lumMod val="50000"/>
-                    <a:lumOff val="50000"/>
-                  </a:schemeClr>
-                </a:solidFill>
-                <a:latin typeface="LMU CompatilFact"/>
-                <a:ea typeface="DejaVu Sans"/>
-              </a:rPr>
-              <a:t>Probleme und Ansätze IV</a:t>
-            </a:r>
-            <a:endParaRPr lang="en-US" sz="4800" b="0" strike="noStrike" spc="-1" dirty="0">
-              <a:solidFill>
-                <a:schemeClr val="tx1">
-                  <a:lumMod val="50000"/>
-                  <a:lumOff val="50000"/>
-                </a:schemeClr>
-              </a:solidFill>
-              <a:latin typeface="Arial"/>
-            </a:endParaRPr>
-          </a:p>
-        </p:txBody>
-      </p:sp>
-      <p:pic>
-        <p:nvPicPr>
-          <p:cNvPr id="3" name="Grafik 2">
-            <a:extLst>
-              <a:ext uri="{FF2B5EF4-FFF2-40B4-BE49-F238E27FC236}">
-                <a16:creationId xmlns:a16="http://schemas.microsoft.com/office/drawing/2014/main" id="{82A013CE-91F5-4CD7-9E7A-6D7B54CACE78}"/>
-              </a:ext>
-            </a:extLst>
-          </p:cNvPr>
-          <p:cNvPicPr>
-            <a:picLocks noChangeAspect="1"/>
-          </p:cNvPicPr>
-          <p:nvPr/>
-        </p:nvPicPr>
-        <p:blipFill>
-          <a:blip r:embed="rId2">
-            <a:extLst>
-              <a:ext uri="{28A0092B-C50C-407E-A947-70E740481C1C}">
-                <a14:useLocalDpi xmlns:a14="http://schemas.microsoft.com/office/drawing/2010/main" val="0"/>
-              </a:ext>
-            </a:extLst>
-          </a:blip>
-          <a:stretch>
-            <a:fillRect/>
-          </a:stretch>
-        </p:blipFill>
-        <p:spPr>
-          <a:xfrm>
-            <a:off x="1551398" y="1996715"/>
-            <a:ext cx="8920392" cy="4460196"/>
-          </a:xfrm>
-          <a:prstGeom prst="rect">
-            <a:avLst/>
-          </a:prstGeom>
-        </p:spPr>
-      </p:pic>
-    </p:spTree>
-    <p:extLst>
-      <p:ext uri="{BB962C8B-B14F-4D97-AF65-F5344CB8AC3E}">
-        <p14:creationId xmlns:p14="http://schemas.microsoft.com/office/powerpoint/2010/main" val="3552241238"/>
-      </p:ext>
-    </p:extLst>
-  </p:cSld>
-  <p:clrMapOvr>
-    <a:masterClrMapping/>
-  </p:clrMapOvr>
-</p:sld>
-</file>
-
-<file path=ppt/slides/slide48.xml><?xml version="1.0" encoding="utf-8"?>
-<p:sld xmlns:a="http://schemas.openxmlformats.org/drawingml/2006/main" xmlns:r="http://schemas.openxmlformats.org/officeDocument/2006/relationships" xmlns:p="http://schemas.openxmlformats.org/presentationml/2006/main">
-  <p:cSld>
-    <p:spTree>
-      <p:nvGrpSpPr>
-        <p:cNvPr id="1" name=""/>
-        <p:cNvGrpSpPr/>
-        <p:nvPr/>
-      </p:nvGrpSpPr>
-      <p:grpSpPr>
-        <a:xfrm>
-          <a:off x="0" y="0"/>
-          <a:ext cx="0" cy="0"/>
-          <a:chOff x="0" y="0"/>
-          <a:chExt cx="0" cy="0"/>
-        </a:xfrm>
-      </p:grpSpPr>
-      <p:sp>
-        <p:nvSpPr>
-          <p:cNvPr id="233" name="CustomShape 1"/>
-          <p:cNvSpPr/>
-          <p:nvPr/>
-        </p:nvSpPr>
-        <p:spPr>
-          <a:xfrm>
-            <a:off x="10994040" y="6459480"/>
-            <a:ext cx="1053000" cy="290880"/>
-          </a:xfrm>
-          <a:prstGeom prst="rect">
-            <a:avLst/>
-          </a:prstGeom>
-          <a:noFill/>
-          <a:ln w="9360">
-            <a:noFill/>
-          </a:ln>
-        </p:spPr>
-        <p:style>
-          <a:lnRef idx="0">
-            <a:scrgbClr r="0" g="0" b="0"/>
-          </a:lnRef>
-          <a:fillRef idx="0">
-            <a:scrgbClr r="0" g="0" b="0"/>
-          </a:fillRef>
-          <a:effectRef idx="0">
-            <a:scrgbClr r="0" g="0" b="0"/>
-          </a:effectRef>
-          <a:fontRef idx="minor"/>
-        </p:style>
-        <p:txBody>
-          <a:bodyPr lIns="90000" tIns="45000" rIns="90000" bIns="45000">
-            <a:noAutofit/>
-          </a:bodyPr>
-          <a:lstStyle/>
-          <a:p>
-            <a:pPr algn="r">
-              <a:lnSpc>
-                <a:spcPct val="100000"/>
-              </a:lnSpc>
-            </a:pPr>
-            <a:fld id="{BB20B9FA-2217-4174-87F2-159AA47B5F53}" type="slidenum">
-              <a:rPr lang="de-DE" sz="1400" b="0" strike="noStrike" spc="-1">
-                <a:solidFill>
-                  <a:srgbClr val="006C30"/>
-                </a:solidFill>
-                <a:latin typeface="LMU CompatilFact"/>
-                <a:ea typeface="DejaVu Sans"/>
-              </a:rPr>
-              <a:t>48</a:t>
-            </a:fld>
-            <a:endParaRPr lang="en-US" sz="1400" b="0" strike="noStrike" spc="-1">
-              <a:latin typeface="Arial"/>
-            </a:endParaRPr>
-          </a:p>
-        </p:txBody>
-      </p:sp>
-      <p:sp>
-        <p:nvSpPr>
-          <p:cNvPr id="234" name="CustomShape 2"/>
-          <p:cNvSpPr/>
-          <p:nvPr/>
-        </p:nvSpPr>
-        <p:spPr>
-          <a:xfrm>
-            <a:off x="507960" y="6459480"/>
-            <a:ext cx="10309320" cy="290880"/>
-          </a:xfrm>
-          <a:prstGeom prst="rect">
-            <a:avLst/>
-          </a:prstGeom>
-          <a:solidFill>
-            <a:srgbClr val="C6C7BE"/>
-          </a:solidFill>
-          <a:ln w="9360">
-            <a:noFill/>
-          </a:ln>
-        </p:spPr>
-        <p:style>
-          <a:lnRef idx="0">
-            <a:scrgbClr r="0" g="0" b="0"/>
-          </a:lnRef>
-          <a:fillRef idx="0">
-            <a:scrgbClr r="0" g="0" b="0"/>
-          </a:fillRef>
-          <a:effectRef idx="0">
-            <a:scrgbClr r="0" g="0" b="0"/>
-          </a:effectRef>
-          <a:fontRef idx="minor"/>
-        </p:style>
-        <p:txBody>
-          <a:bodyPr lIns="90000" tIns="45000" rIns="90000" bIns="45000">
-            <a:noAutofit/>
-          </a:bodyPr>
-          <a:lstStyle/>
-          <a:p>
-            <a:pPr>
-              <a:lnSpc>
-                <a:spcPct val="100000"/>
-              </a:lnSpc>
-            </a:pPr>
-            <a:r>
-              <a:rPr lang="de-DE" sz="1400" b="0" strike="noStrike" spc="-1">
-                <a:solidFill>
-                  <a:srgbClr val="006C30"/>
-                </a:solidFill>
-                <a:latin typeface="LMU CompatilFact"/>
-                <a:ea typeface="DejaVu Sans"/>
-              </a:rPr>
-              <a:t>Zwischenpräsentation am 21.12.2020</a:t>
-            </a:r>
-            <a:endParaRPr lang="en-US" sz="1400" b="0" strike="noStrike" spc="-1">
-              <a:latin typeface="Arial"/>
-            </a:endParaRPr>
-          </a:p>
-        </p:txBody>
-      </p:sp>
-      <p:sp>
-        <p:nvSpPr>
-          <p:cNvPr id="235" name="CustomShape 3"/>
-          <p:cNvSpPr/>
-          <p:nvPr/>
-        </p:nvSpPr>
-        <p:spPr>
-          <a:xfrm>
-            <a:off x="9300240" y="188640"/>
-            <a:ext cx="1799280" cy="790920"/>
-          </a:xfrm>
-          <a:prstGeom prst="rect">
-            <a:avLst/>
-          </a:prstGeom>
-          <a:solidFill>
-            <a:srgbClr val="C6C7BE"/>
-          </a:solidFill>
-          <a:ln w="12700">
-            <a:solidFill>
-              <a:srgbClr val="C6C7BE"/>
-            </a:solidFill>
-            <a:round/>
-          </a:ln>
-        </p:spPr>
-        <p:style>
-          <a:lnRef idx="0">
-            <a:scrgbClr r="0" g="0" b="0"/>
-          </a:lnRef>
-          <a:fillRef idx="0">
-            <a:scrgbClr r="0" g="0" b="0"/>
-          </a:fillRef>
-          <a:effectRef idx="0">
-            <a:scrgbClr r="0" g="0" b="0"/>
-          </a:effectRef>
-          <a:fontRef idx="minor"/>
-        </p:style>
-      </p:sp>
-      <p:sp>
-        <p:nvSpPr>
-          <p:cNvPr id="236" name="CustomShape 4"/>
-          <p:cNvSpPr/>
-          <p:nvPr/>
-        </p:nvSpPr>
-        <p:spPr>
-          <a:xfrm>
-            <a:off x="2147040" y="457200"/>
-            <a:ext cx="6767640" cy="456120"/>
-          </a:xfrm>
-          <a:prstGeom prst="rect">
-            <a:avLst/>
-          </a:prstGeom>
-          <a:noFill/>
-          <a:ln w="9360">
-            <a:noFill/>
-          </a:ln>
-        </p:spPr>
-        <p:style>
-          <a:lnRef idx="0">
-            <a:scrgbClr r="0" g="0" b="0"/>
-          </a:lnRef>
-          <a:fillRef idx="0">
-            <a:scrgbClr r="0" g="0" b="0"/>
-          </a:fillRef>
-          <a:effectRef idx="0">
-            <a:scrgbClr r="0" g="0" b="0"/>
-          </a:effectRef>
-          <a:fontRef idx="minor"/>
-        </p:style>
-        <p:txBody>
-          <a:bodyPr lIns="90000" tIns="45000" rIns="90000" bIns="45000" anchor="b">
-            <a:noAutofit/>
-          </a:bodyPr>
-          <a:lstStyle/>
-          <a:p>
-            <a:pPr>
-              <a:lnSpc>
-                <a:spcPct val="100000"/>
-              </a:lnSpc>
-            </a:pPr>
-            <a:r>
-              <a:rPr lang="de-DE" sz="2000" b="0" strike="noStrike" spc="-1">
-                <a:solidFill>
-                  <a:srgbClr val="006C30"/>
-                </a:solidFill>
-                <a:latin typeface="LMU CompatilFact"/>
-                <a:ea typeface="DejaVu Sans"/>
-              </a:rPr>
-              <a:t>Katja Gutmair, Stella Akouete, Noah Hurmer und Anne Gritto</a:t>
-            </a:r>
-            <a:endParaRPr lang="en-US" sz="2000" b="0" strike="noStrike" spc="-1">
-              <a:latin typeface="Arial"/>
-            </a:endParaRPr>
-          </a:p>
-        </p:txBody>
-      </p:sp>
-      <p:sp>
-        <p:nvSpPr>
-          <p:cNvPr id="237" name="CustomShape 5"/>
-          <p:cNvSpPr/>
-          <p:nvPr/>
-        </p:nvSpPr>
-        <p:spPr>
-          <a:xfrm>
-            <a:off x="9372600" y="280800"/>
-            <a:ext cx="1872000" cy="699480"/>
-          </a:xfrm>
-          <a:prstGeom prst="rect">
-            <a:avLst/>
-          </a:prstGeom>
-          <a:noFill/>
-          <a:ln w="0">
-            <a:noFill/>
-          </a:ln>
-        </p:spPr>
-        <p:style>
-          <a:lnRef idx="0">
-            <a:scrgbClr r="0" g="0" b="0"/>
-          </a:lnRef>
-          <a:fillRef idx="0">
-            <a:scrgbClr r="0" g="0" b="0"/>
-          </a:fillRef>
-          <a:effectRef idx="0">
-            <a:scrgbClr r="0" g="0" b="0"/>
-          </a:effectRef>
-          <a:fontRef idx="minor"/>
-        </p:style>
-        <p:txBody>
-          <a:bodyPr wrap="none" lIns="90000" tIns="45000" rIns="90000" bIns="45000">
-            <a:spAutoFit/>
-          </a:bodyPr>
-          <a:lstStyle/>
-          <a:p>
-            <a:pPr>
-              <a:lnSpc>
-                <a:spcPct val="100000"/>
-              </a:lnSpc>
-            </a:pPr>
-            <a:r>
-              <a:rPr lang="de-DE" sz="2000" b="0" strike="noStrike" spc="-1">
-                <a:solidFill>
-                  <a:srgbClr val="006C30"/>
-                </a:solidFill>
-                <a:latin typeface="LMU CompatilFact"/>
-                <a:ea typeface="DejaVu Sans"/>
-              </a:rPr>
-              <a:t>Statistisches </a:t>
-            </a:r>
-            <a:endParaRPr lang="en-US" sz="2000" b="0" strike="noStrike" spc="-1">
-              <a:latin typeface="Arial"/>
-            </a:endParaRPr>
-          </a:p>
-          <a:p>
-            <a:pPr>
-              <a:lnSpc>
-                <a:spcPct val="100000"/>
-              </a:lnSpc>
-            </a:pPr>
-            <a:r>
-              <a:rPr lang="de-DE" sz="2000" b="0" strike="noStrike" spc="-1">
-                <a:solidFill>
-                  <a:srgbClr val="006C30"/>
-                </a:solidFill>
-                <a:latin typeface="LMU CompatilFact"/>
-                <a:ea typeface="DejaVu Sans"/>
-              </a:rPr>
-              <a:t>Praktikum</a:t>
-            </a:r>
-            <a:endParaRPr lang="en-US" sz="2000" b="0" strike="noStrike" spc="-1">
-              <a:latin typeface="Arial"/>
-            </a:endParaRPr>
-          </a:p>
-        </p:txBody>
-      </p:sp>
-      <p:pic>
-        <p:nvPicPr>
-          <p:cNvPr id="238" name="Picture 237"/>
-          <p:cNvPicPr/>
-          <p:nvPr/>
-        </p:nvPicPr>
-        <p:blipFill>
-          <a:blip r:embed="rId2"/>
-          <a:stretch/>
-        </p:blipFill>
-        <p:spPr>
-          <a:xfrm>
-            <a:off x="2057400" y="1414080"/>
-            <a:ext cx="8105760" cy="4529520"/>
-          </a:xfrm>
-          <a:prstGeom prst="rect">
-            <a:avLst/>
-          </a:prstGeom>
-          <a:ln w="0">
-            <a:noFill/>
-          </a:ln>
-        </p:spPr>
-      </p:pic>
-      <p:sp>
-        <p:nvSpPr>
-          <p:cNvPr id="239" name="TextShape 6"/>
-          <p:cNvSpPr txBox="1"/>
-          <p:nvPr/>
-        </p:nvSpPr>
-        <p:spPr>
-          <a:xfrm>
-            <a:off x="304800" y="5943600"/>
-            <a:ext cx="11198280" cy="346320"/>
-          </a:xfrm>
-          <a:prstGeom prst="rect">
-            <a:avLst/>
-          </a:prstGeom>
-          <a:noFill/>
-          <a:ln w="0">
-            <a:noFill/>
-          </a:ln>
-        </p:spPr>
-        <p:txBody>
-          <a:bodyPr lIns="90000" tIns="45000" rIns="90000" bIns="45000">
-            <a:noAutofit/>
-          </a:bodyPr>
-          <a:lstStyle/>
-          <a:p>
-            <a:r>
-              <a:rPr lang="en-US" sz="1800" b="0" strike="noStrike" spc="-1" dirty="0">
-                <a:solidFill>
-                  <a:srgbClr val="666666"/>
-                </a:solidFill>
-                <a:latin typeface="Arial"/>
-              </a:rPr>
-              <a:t>https://scikit-learn.org/0.15/auto_examples/cluster/plot_cluster_comparison.html, 20.12.2020 01:30</a:t>
-            </a:r>
-          </a:p>
-        </p:txBody>
-      </p:sp>
-      <p:sp>
-        <p:nvSpPr>
-          <p:cNvPr id="2" name="Textfeld 1">
-            <a:extLst>
-              <a:ext uri="{FF2B5EF4-FFF2-40B4-BE49-F238E27FC236}">
-                <a16:creationId xmlns:a16="http://schemas.microsoft.com/office/drawing/2014/main" id="{D691A6F7-B3F6-41FE-9CA8-B0319A132387}"/>
-              </a:ext>
-            </a:extLst>
-          </p:cNvPr>
-          <p:cNvSpPr txBox="1"/>
-          <p:nvPr/>
-        </p:nvSpPr>
-        <p:spPr>
-          <a:xfrm>
-            <a:off x="304800" y="1693333"/>
-            <a:ext cx="1479957" cy="369332"/>
-          </a:xfrm>
-          <a:prstGeom prst="rect">
-            <a:avLst/>
-          </a:prstGeom>
-          <a:noFill/>
-        </p:spPr>
-        <p:txBody>
-          <a:bodyPr wrap="none" rtlCol="0">
-            <a:spAutoFit/>
-          </a:bodyPr>
-          <a:lstStyle/>
-          <a:p>
-            <a:r>
-              <a:rPr lang="de-DE" dirty="0"/>
-              <a:t>Evtl. Anhang</a:t>
-            </a:r>
-          </a:p>
-        </p:txBody>
-      </p:sp>
-    </p:spTree>
-    <p:extLst>
-      <p:ext uri="{BB962C8B-B14F-4D97-AF65-F5344CB8AC3E}">
-        <p14:creationId xmlns:p14="http://schemas.microsoft.com/office/powerpoint/2010/main" val="728553473"/>
-      </p:ext>
-    </p:extLst>
-  </p:cSld>
-  <p:clrMapOvr>
-    <a:masterClrMapping/>
-  </p:clrMapOvr>
-</p:sld>
-</file>
-
 <file path=ppt/slides/slide5.xml><?xml version="1.0" encoding="utf-8"?>
 <p:sld xmlns:a="http://schemas.openxmlformats.org/drawingml/2006/main" xmlns:r="http://schemas.openxmlformats.org/officeDocument/2006/relationships" xmlns:p="http://schemas.openxmlformats.org/presentationml/2006/main">
   <p:cSld>
